--- a/SpringCloudNetflix/MicroservicesPart1_vDraft.pptx
+++ b/SpringCloudNetflix/MicroservicesPart1_vDraft.pptx
@@ -5295,20 +5295,20 @@
     </dgm:pt>
   </dgm:ptLst>
   <dgm:cxnLst>
+    <dgm:cxn modelId="{4F065E1A-A03E-438D-879A-AE4D74D29ED8}" type="presOf" srcId="{C5F51BE2-5346-43CC-B317-BCFE97745903}" destId="{C2AE3436-0951-4B60-A8B8-AE3BD664ACD3}" srcOrd="0" destOrd="0" presId="urn:microsoft.com/office/officeart/2008/layout/VerticalCurvedList"/>
+    <dgm:cxn modelId="{56BBC7F2-F68D-41A7-B9FF-EEFA309517F0}" type="presOf" srcId="{791BD71A-4DD5-430E-9493-83FEC72B5563}" destId="{31A75FEF-0C9C-4746-BC7A-458E3CD6364D}" srcOrd="0" destOrd="0" presId="urn:microsoft.com/office/officeart/2008/layout/VerticalCurvedList"/>
     <dgm:cxn modelId="{108D6419-1F41-4032-903C-13C9698146D7}" srcId="{C98292DB-0CBE-4E6C-AB3F-62040A55E41C}" destId="{5BD7FAE0-BF50-4DD8-B50B-70B6296B340D}" srcOrd="4" destOrd="0" parTransId="{DB46C0AC-75C9-4F13-AD63-B993DCB77C2F}" sibTransId="{D8AF55E2-B0A0-44B2-B897-4370C16F852B}"/>
-    <dgm:cxn modelId="{4F065E1A-A03E-438D-879A-AE4D74D29ED8}" type="presOf" srcId="{C5F51BE2-5346-43CC-B317-BCFE97745903}" destId="{C2AE3436-0951-4B60-A8B8-AE3BD664ACD3}" srcOrd="0" destOrd="0" presId="urn:microsoft.com/office/officeart/2008/layout/VerticalCurvedList"/>
     <dgm:cxn modelId="{2BDD3300-0757-4E6F-8CCF-C86B1807FACB}" type="presOf" srcId="{EF5D8929-8ADD-4CFB-B5B8-011A5CF029DC}" destId="{04FACCE1-5421-4E3A-A184-3F2B4934639D}" srcOrd="0" destOrd="0" presId="urn:microsoft.com/office/officeart/2008/layout/VerticalCurvedList"/>
+    <dgm:cxn modelId="{92E2BFE9-B636-433B-9BBA-63918992034F}" type="presOf" srcId="{F25A0EB4-2CD1-43B2-842A-E4D32B64067B}" destId="{CA08A3FF-E697-46B9-BDEA-998C4306E29F}" srcOrd="0" destOrd="0" presId="urn:microsoft.com/office/officeart/2008/layout/VerticalCurvedList"/>
+    <dgm:cxn modelId="{7B8F5B3F-6650-4901-B20D-DEF4750A4E75}" srcId="{C98292DB-0CBE-4E6C-AB3F-62040A55E41C}" destId="{791BD71A-4DD5-430E-9493-83FEC72B5563}" srcOrd="0" destOrd="0" parTransId="{A3E5EDAB-52BE-45BC-939D-6A9B5EE42DA5}" sibTransId="{C5F51BE2-5346-43CC-B317-BCFE97745903}"/>
+    <dgm:cxn modelId="{B4ED9E46-4C88-406C-BC95-0D8CDB007D1F}" type="presOf" srcId="{C98292DB-0CBE-4E6C-AB3F-62040A55E41C}" destId="{C0EBDC46-B1FB-4232-ADDB-A6545E917E70}" srcOrd="0" destOrd="0" presId="urn:microsoft.com/office/officeart/2008/layout/VerticalCurvedList"/>
+    <dgm:cxn modelId="{300D44BB-CC21-48BD-8CA0-B90B59479C5B}" type="presOf" srcId="{474E44B0-48DF-47FD-97B3-0923E966FE73}" destId="{35357D5D-AA78-422E-BD22-B9CF70BC59D0}" srcOrd="0" destOrd="0" presId="urn:microsoft.com/office/officeart/2008/layout/VerticalCurvedList"/>
     <dgm:cxn modelId="{17F3305D-C5A0-4255-B768-F334028AC9E7}" srcId="{C98292DB-0CBE-4E6C-AB3F-62040A55E41C}" destId="{474E44B0-48DF-47FD-97B3-0923E966FE73}" srcOrd="1" destOrd="0" parTransId="{E7725367-E7B7-4E70-ADC3-4219310EFE8C}" sibTransId="{312E8B39-4414-4E79-8D8E-98CA8E4AF751}"/>
     <dgm:cxn modelId="{50CACCA5-CAB5-402A-BA09-1501F5DB5328}" srcId="{C98292DB-0CBE-4E6C-AB3F-62040A55E41C}" destId="{F25A0EB4-2CD1-43B2-842A-E4D32B64067B}" srcOrd="2" destOrd="0" parTransId="{AAE9C59E-35B4-4BBC-A2F2-179D275AED83}" sibTransId="{38F65BC7-CD40-4CD2-B7E4-0D23EDC55F4F}"/>
+    <dgm:cxn modelId="{C665F257-A9AF-4BFA-8703-9A1669142EDD}" type="presOf" srcId="{5C715C24-6913-4CB7-91A2-67801B7BB90A}" destId="{181AAA7E-9789-4B99-865E-D1DFA02F0665}" srcOrd="0" destOrd="0" presId="urn:microsoft.com/office/officeart/2008/layout/VerticalCurvedList"/>
     <dgm:cxn modelId="{57224369-C3A0-4A1C-BA25-851A9116D739}" type="presOf" srcId="{5BD7FAE0-BF50-4DD8-B50B-70B6296B340D}" destId="{A821F000-06F5-4A7B-A720-4B06F6EB8258}" srcOrd="0" destOrd="0" presId="urn:microsoft.com/office/officeart/2008/layout/VerticalCurvedList"/>
     <dgm:cxn modelId="{7E31ED5F-2663-4E82-B9E5-75EF55AB4B67}" srcId="{C98292DB-0CBE-4E6C-AB3F-62040A55E41C}" destId="{EF5D8929-8ADD-4CFB-B5B8-011A5CF029DC}" srcOrd="5" destOrd="0" parTransId="{949CEDB8-6F42-4F8A-8EF3-6FB288EF7C37}" sibTransId="{CC4F7E70-A73B-4FB6-B1F0-ED6B1B6FBFAE}"/>
-    <dgm:cxn modelId="{C665F257-A9AF-4BFA-8703-9A1669142EDD}" type="presOf" srcId="{5C715C24-6913-4CB7-91A2-67801B7BB90A}" destId="{181AAA7E-9789-4B99-865E-D1DFA02F0665}" srcOrd="0" destOrd="0" presId="urn:microsoft.com/office/officeart/2008/layout/VerticalCurvedList"/>
-    <dgm:cxn modelId="{92E2BFE9-B636-433B-9BBA-63918992034F}" type="presOf" srcId="{F25A0EB4-2CD1-43B2-842A-E4D32B64067B}" destId="{CA08A3FF-E697-46B9-BDEA-998C4306E29F}" srcOrd="0" destOrd="0" presId="urn:microsoft.com/office/officeart/2008/layout/VerticalCurvedList"/>
-    <dgm:cxn modelId="{300D44BB-CC21-48BD-8CA0-B90B59479C5B}" type="presOf" srcId="{474E44B0-48DF-47FD-97B3-0923E966FE73}" destId="{35357D5D-AA78-422E-BD22-B9CF70BC59D0}" srcOrd="0" destOrd="0" presId="urn:microsoft.com/office/officeart/2008/layout/VerticalCurvedList"/>
     <dgm:cxn modelId="{0D6D48DF-1157-4E8F-88F6-762696475E38}" srcId="{C98292DB-0CBE-4E6C-AB3F-62040A55E41C}" destId="{5C715C24-6913-4CB7-91A2-67801B7BB90A}" srcOrd="3" destOrd="0" parTransId="{A7F715AB-3EEC-400F-B161-C3E7C4F57CC2}" sibTransId="{347B0996-C580-4354-A032-74E4AF826186}"/>
-    <dgm:cxn modelId="{7B8F5B3F-6650-4901-B20D-DEF4750A4E75}" srcId="{C98292DB-0CBE-4E6C-AB3F-62040A55E41C}" destId="{791BD71A-4DD5-430E-9493-83FEC72B5563}" srcOrd="0" destOrd="0" parTransId="{A3E5EDAB-52BE-45BC-939D-6A9B5EE42DA5}" sibTransId="{C5F51BE2-5346-43CC-B317-BCFE97745903}"/>
-    <dgm:cxn modelId="{56BBC7F2-F68D-41A7-B9FF-EEFA309517F0}" type="presOf" srcId="{791BD71A-4DD5-430E-9493-83FEC72B5563}" destId="{31A75FEF-0C9C-4746-BC7A-458E3CD6364D}" srcOrd="0" destOrd="0" presId="urn:microsoft.com/office/officeart/2008/layout/VerticalCurvedList"/>
-    <dgm:cxn modelId="{B4ED9E46-4C88-406C-BC95-0D8CDB007D1F}" type="presOf" srcId="{C98292DB-0CBE-4E6C-AB3F-62040A55E41C}" destId="{C0EBDC46-B1FB-4232-ADDB-A6545E917E70}" srcOrd="0" destOrd="0" presId="urn:microsoft.com/office/officeart/2008/layout/VerticalCurvedList"/>
     <dgm:cxn modelId="{057007EF-4924-4F69-98A4-36612A6121CB}" type="presParOf" srcId="{C0EBDC46-B1FB-4232-ADDB-A6545E917E70}" destId="{F7FF7019-721C-4942-9161-4B41A5152A43}" srcOrd="0" destOrd="0" presId="urn:microsoft.com/office/officeart/2008/layout/VerticalCurvedList"/>
     <dgm:cxn modelId="{28122930-BA5B-49CE-A309-61DAB23A89F8}" type="presParOf" srcId="{F7FF7019-721C-4942-9161-4B41A5152A43}" destId="{9A632AA4-1E42-4074-AA0D-26B90A96A47F}" srcOrd="0" destOrd="0" presId="urn:microsoft.com/office/officeart/2008/layout/VerticalCurvedList"/>
     <dgm:cxn modelId="{B625328D-90E2-40F3-A5F4-6E7261B454ED}" type="presParOf" srcId="{9A632AA4-1E42-4074-AA0D-26B90A96A47F}" destId="{04A1E829-D8C9-4823-B56F-83D0C990743E}" srcOrd="0" destOrd="0" presId="urn:microsoft.com/office/officeart/2008/layout/VerticalCurvedList"/>
@@ -5342,7 +5342,7 @@
   </dgm:whole>
   <dgm:extLst>
     <a:ext uri="http://schemas.microsoft.com/office/drawing/2008/diagram">
-      <dsp:dataModelExt xmlns:dsp="http://schemas.microsoft.com/office/drawing/2008/diagram" relId="rId6" minVer="http://schemas.openxmlformats.org/drawingml/2006/diagram"/>
+      <dsp:dataModelExt xmlns:dsp="http://schemas.microsoft.com/office/drawing/2008/diagram" xmlns="" relId="rId6" minVer="http://schemas.openxmlformats.org/drawingml/2006/diagram"/>
     </a:ext>
   </dgm:extLst>
 </dgm:dataModel>
@@ -5829,19 +5829,19 @@
     </dgm:pt>
   </dgm:ptLst>
   <dgm:cxnLst>
+    <dgm:cxn modelId="{92C5995D-23EB-43D0-974B-F3A25C1762B4}" srcId="{FD8D01E9-8076-454D-8842-0458930C37DA}" destId="{22E9BE94-C196-48AF-A20C-DBD07446205B}" srcOrd="0" destOrd="0" parTransId="{3FF3BA35-DB3E-4E40-9828-A9DEE05BCA71}" sibTransId="{243567F8-E203-4100-8A1B-C1D2BC331674}"/>
     <dgm:cxn modelId="{F9E75F63-CEA3-4E95-8436-1BD07DBAE654}" srcId="{FD8D01E9-8076-454D-8842-0458930C37DA}" destId="{91DAAA92-B028-4C4C-9A05-E58D92B608AC}" srcOrd="4" destOrd="0" parTransId="{869A5353-3D3F-463D-9AD7-CFB09A1ADED3}" sibTransId="{37BB0F49-C019-4A31-A9F6-76472B569FEB}"/>
-    <dgm:cxn modelId="{92C5995D-23EB-43D0-974B-F3A25C1762B4}" srcId="{FD8D01E9-8076-454D-8842-0458930C37DA}" destId="{22E9BE94-C196-48AF-A20C-DBD07446205B}" srcOrd="0" destOrd="0" parTransId="{3FF3BA35-DB3E-4E40-9828-A9DEE05BCA71}" sibTransId="{243567F8-E203-4100-8A1B-C1D2BC331674}"/>
     <dgm:cxn modelId="{A4E374AE-C9D2-4590-A4DF-18FAA31C8D05}" type="presOf" srcId="{9BF84D13-829D-47BB-8D76-EA2184EABF99}" destId="{13AA68D4-3045-42E9-91E4-63FCB4AD66EA}" srcOrd="0" destOrd="0" presId="urn:microsoft.com/office/officeart/2005/8/layout/chevron1"/>
-    <dgm:cxn modelId="{585D3E7D-FD76-4DB7-B134-C315D102CB2E}" type="presOf" srcId="{FD8D01E9-8076-454D-8842-0458930C37DA}" destId="{F22070C3-673D-45BE-BDED-86E244703510}" srcOrd="0" destOrd="0" presId="urn:microsoft.com/office/officeart/2005/8/layout/chevron1"/>
-    <dgm:cxn modelId="{E7DCC4D7-8D62-4D66-A33A-54E26EBA9974}" type="presOf" srcId="{732AB2B3-49D6-4874-9F00-52A7EF46759B}" destId="{E9BDAB84-DCF3-44E8-9AE7-E985884BD6DB}" srcOrd="0" destOrd="0" presId="urn:microsoft.com/office/officeart/2005/8/layout/chevron1"/>
-    <dgm:cxn modelId="{8C39C7BD-A21A-4BB1-9F9A-1358E388B41F}" type="presOf" srcId="{91DAAA92-B028-4C4C-9A05-E58D92B608AC}" destId="{016D239F-4890-4D64-AE1F-0BD8202677D0}" srcOrd="0" destOrd="0" presId="urn:microsoft.com/office/officeart/2005/8/layout/chevron1"/>
-    <dgm:cxn modelId="{808C7EDC-BDB5-41BC-87BE-78EAC4B505B1}" srcId="{FD8D01E9-8076-454D-8842-0458930C37DA}" destId="{9BF84D13-829D-47BB-8D76-EA2184EABF99}" srcOrd="3" destOrd="0" parTransId="{7F178462-E21B-47CA-9574-3C34AB84792D}" sibTransId="{BAA2541D-C1BD-4CC0-BA57-75354BABC1DF}"/>
     <dgm:cxn modelId="{4307C61F-307F-4DEF-B35B-43525A1DA2B0}" srcId="{FD8D01E9-8076-454D-8842-0458930C37DA}" destId="{ACDC39BA-1284-4342-B497-45E9FDF61A7D}" srcOrd="1" destOrd="0" parTransId="{F23BB48C-881F-4BA8-B8CA-198BB5CB7AD5}" sibTransId="{9DCF23CF-2945-4AF8-80A5-886F3096CBAC}"/>
     <dgm:cxn modelId="{C061767D-3B90-4886-B644-BE126F335264}" srcId="{FD8D01E9-8076-454D-8842-0458930C37DA}" destId="{732AB2B3-49D6-4874-9F00-52A7EF46759B}" srcOrd="5" destOrd="0" parTransId="{AAF76D88-D6B6-4273-8B7B-BB89A1389CC5}" sibTransId="{508595D9-39B0-4354-AC37-387B05A70D96}"/>
+    <dgm:cxn modelId="{585D3E7D-FD76-4DB7-B134-C315D102CB2E}" type="presOf" srcId="{FD8D01E9-8076-454D-8842-0458930C37DA}" destId="{F22070C3-673D-45BE-BDED-86E244703510}" srcOrd="0" destOrd="0" presId="urn:microsoft.com/office/officeart/2005/8/layout/chevron1"/>
     <dgm:cxn modelId="{27659849-436E-47AF-8B69-C7CDBCDAB682}" type="presOf" srcId="{22E9BE94-C196-48AF-A20C-DBD07446205B}" destId="{84F0EE61-411E-4271-904A-2551A7D97E5B}" srcOrd="0" destOrd="0" presId="urn:microsoft.com/office/officeart/2005/8/layout/chevron1"/>
+    <dgm:cxn modelId="{808C7EDC-BDB5-41BC-87BE-78EAC4B505B1}" srcId="{FD8D01E9-8076-454D-8842-0458930C37DA}" destId="{9BF84D13-829D-47BB-8D76-EA2184EABF99}" srcOrd="3" destOrd="0" parTransId="{7F178462-E21B-47CA-9574-3C34AB84792D}" sibTransId="{BAA2541D-C1BD-4CC0-BA57-75354BABC1DF}"/>
+    <dgm:cxn modelId="{63F72D40-1727-4856-9635-8C25EAF00538}" type="presOf" srcId="{ACDC39BA-1284-4342-B497-45E9FDF61A7D}" destId="{2FED07EE-86CF-4BCB-B88C-9B2736429D4B}" srcOrd="0" destOrd="0" presId="urn:microsoft.com/office/officeart/2005/8/layout/chevron1"/>
+    <dgm:cxn modelId="{E7DCC4D7-8D62-4D66-A33A-54E26EBA9974}" type="presOf" srcId="{732AB2B3-49D6-4874-9F00-52A7EF46759B}" destId="{E9BDAB84-DCF3-44E8-9AE7-E985884BD6DB}" srcOrd="0" destOrd="0" presId="urn:microsoft.com/office/officeart/2005/8/layout/chevron1"/>
     <dgm:cxn modelId="{B638B249-F82A-4ABE-B3DA-01DD1F26D719}" srcId="{FD8D01E9-8076-454D-8842-0458930C37DA}" destId="{496FAA4B-A33E-45D8-B521-15412CC3BE6A}" srcOrd="2" destOrd="0" parTransId="{57EF007A-062E-4A68-A0FA-C2A2558CF4AD}" sibTransId="{A78B1B34-BBC1-4567-A736-DD34DCCDF794}"/>
+    <dgm:cxn modelId="{8C39C7BD-A21A-4BB1-9F9A-1358E388B41F}" type="presOf" srcId="{91DAAA92-B028-4C4C-9A05-E58D92B608AC}" destId="{016D239F-4890-4D64-AE1F-0BD8202677D0}" srcOrd="0" destOrd="0" presId="urn:microsoft.com/office/officeart/2005/8/layout/chevron1"/>
     <dgm:cxn modelId="{DD9B44F8-9340-4E19-86D7-95FA68CA970F}" type="presOf" srcId="{496FAA4B-A33E-45D8-B521-15412CC3BE6A}" destId="{10A09D8A-353D-4F92-AA1C-FDD78C26EA23}" srcOrd="0" destOrd="0" presId="urn:microsoft.com/office/officeart/2005/8/layout/chevron1"/>
-    <dgm:cxn modelId="{63F72D40-1727-4856-9635-8C25EAF00538}" type="presOf" srcId="{ACDC39BA-1284-4342-B497-45E9FDF61A7D}" destId="{2FED07EE-86CF-4BCB-B88C-9B2736429D4B}" srcOrd="0" destOrd="0" presId="urn:microsoft.com/office/officeart/2005/8/layout/chevron1"/>
     <dgm:cxn modelId="{93F5BCA1-9062-40BE-AC70-76F3D4F4778A}" type="presParOf" srcId="{F22070C3-673D-45BE-BDED-86E244703510}" destId="{84F0EE61-411E-4271-904A-2551A7D97E5B}" srcOrd="0" destOrd="0" presId="urn:microsoft.com/office/officeart/2005/8/layout/chevron1"/>
     <dgm:cxn modelId="{27705C5F-0FAC-40E2-96DF-1612AF9DEA24}" type="presParOf" srcId="{F22070C3-673D-45BE-BDED-86E244703510}" destId="{ED47CA9D-C873-4613-9EA2-D842D27F4256}" srcOrd="1" destOrd="0" presId="urn:microsoft.com/office/officeart/2005/8/layout/chevron1"/>
     <dgm:cxn modelId="{F737935F-76FC-48BF-9B4B-089C34685950}" type="presParOf" srcId="{F22070C3-673D-45BE-BDED-86E244703510}" destId="{2FED07EE-86CF-4BCB-B88C-9B2736429D4B}" srcOrd="2" destOrd="0" presId="urn:microsoft.com/office/officeart/2005/8/layout/chevron1"/>
@@ -5862,7 +5862,7 @@
   <dgm:whole/>
   <dgm:extLst>
     <a:ext uri="http://schemas.microsoft.com/office/drawing/2008/diagram">
-      <dsp:dataModelExt xmlns:dsp="http://schemas.microsoft.com/office/drawing/2008/diagram" relId="rId6" minVer="http://schemas.openxmlformats.org/drawingml/2006/diagram"/>
+      <dsp:dataModelExt xmlns:dsp="http://schemas.microsoft.com/office/drawing/2008/diagram" xmlns="" relId="rId6" minVer="http://schemas.openxmlformats.org/drawingml/2006/diagram"/>
     </a:ext>
   </dgm:extLst>
 </dgm:dataModel>
@@ -6157,7 +6157,19 @@
             <a:rPr lang="en-US" sz="1300" i="1" dirty="0" smtClean="0">
               <a:latin typeface="+mn-lt"/>
             </a:rPr>
-            <a:t>Developer’s on-boarding, delivery efficiency and delivery /deployment time</a:t>
+            <a:t>Developer’s on-boarding, delivery efficiency and </a:t>
+          </a:r>
+          <a:r>
+            <a:rPr lang="en-US" sz="1300" i="1" dirty="0" smtClean="0">
+              <a:latin typeface="+mn-lt"/>
+            </a:rPr>
+            <a:t>deployment </a:t>
+          </a:r>
+          <a:r>
+            <a:rPr lang="en-US" sz="1300" i="1" dirty="0" smtClean="0">
+              <a:latin typeface="+mn-lt"/>
+            </a:rPr>
+            <a:t>time</a:t>
           </a:r>
           <a:endParaRPr lang="en-US" sz="1300" i="1" dirty="0">
             <a:latin typeface="+mn-lt"/>
@@ -6319,21 +6331,21 @@
     </dgm:pt>
   </dgm:ptLst>
   <dgm:cxnLst>
+    <dgm:cxn modelId="{3CE11ABB-47E2-4A47-8D46-9EEE5243C62F}" srcId="{C413BBBF-380C-4CEC-A8CF-B2FCC037CFC8}" destId="{440E22D3-D065-41E6-888A-BC845BCE18BF}" srcOrd="0" destOrd="0" parTransId="{F1457B74-7DD4-438D-AECA-4B3E3B446803}" sibTransId="{6F5C4763-E7E3-4070-9641-E4C29F4A8111}"/>
+    <dgm:cxn modelId="{37F595D5-F291-4C61-9821-69EC3F2F4243}" srcId="{379AA258-C83C-4C40-B648-F1B5C422E6F7}" destId="{AA242DEA-79C5-449E-8309-C3AD15B892FA}" srcOrd="0" destOrd="0" parTransId="{663FB5D1-24DD-4A4A-B1C6-AB39A8082D91}" sibTransId="{E7521C8A-A129-4212-9F82-99A833E0ED94}"/>
+    <dgm:cxn modelId="{BACBF88B-3510-42B2-A176-F3AB94C0583D}" type="presOf" srcId="{379AA258-C83C-4C40-B648-F1B5C422E6F7}" destId="{847B70ED-EC22-4392-86F8-73C9FB5CA08C}" srcOrd="0" destOrd="0" presId="urn:microsoft.com/office/officeart/2005/8/layout/vList5"/>
     <dgm:cxn modelId="{4871ECB1-17F0-4AAF-8436-F062E11E664D}" srcId="{2D7E3EE9-7437-4C20-93D4-7A6FEC1AAACE}" destId="{956BC3B7-828B-4E06-AA2A-E88150E0A84F}" srcOrd="0" destOrd="0" parTransId="{1DB78476-BCFB-48F2-AE55-83D3A37A8CB8}" sibTransId="{90786708-5426-42B4-9B05-D3DA096AE1CD}"/>
+    <dgm:cxn modelId="{1D66994E-1217-4BF6-915F-78080F1F302E}" srcId="{379AA258-C83C-4C40-B648-F1B5C422E6F7}" destId="{C413BBBF-380C-4CEC-A8CF-B2FCC037CFC8}" srcOrd="1" destOrd="0" parTransId="{FE7B5542-196E-42B9-A14C-52859CC6E320}" sibTransId="{76907F42-89C2-4EA8-876B-54F448BB1999}"/>
+    <dgm:cxn modelId="{FEF92851-C89F-47D2-8BA2-2AD1AE16C7FC}" type="presOf" srcId="{904F4153-2776-4143-A13E-5BE4B6701D2D}" destId="{2A7B84D9-4D05-4993-8FEA-F0CDF0FE921E}" srcOrd="0" destOrd="1" presId="urn:microsoft.com/office/officeart/2005/8/layout/vList5"/>
     <dgm:cxn modelId="{4AFB92ED-00DA-401D-B890-069F470E324B}" type="presOf" srcId="{95F154A7-9CCB-43F5-9903-1FD12AABC733}" destId="{2A7B84D9-4D05-4993-8FEA-F0CDF0FE921E}" srcOrd="0" destOrd="0" presId="urn:microsoft.com/office/officeart/2005/8/layout/vList5"/>
     <dgm:cxn modelId="{C79D149D-1CC4-4083-97BD-755A6D52DC10}" type="presOf" srcId="{440E22D3-D065-41E6-888A-BC845BCE18BF}" destId="{4CFA480F-4DF8-4FAD-839E-F92CAD216378}" srcOrd="0" destOrd="0" presId="urn:microsoft.com/office/officeart/2005/8/layout/vList5"/>
+    <dgm:cxn modelId="{810966A6-7F0D-42B0-93F9-49CB4EC1CE3F}" srcId="{AA242DEA-79C5-449E-8309-C3AD15B892FA}" destId="{95F154A7-9CCB-43F5-9903-1FD12AABC733}" srcOrd="0" destOrd="0" parTransId="{810D9014-2CC3-47A4-B5C5-78BF277432DC}" sibTransId="{6AB29E15-2950-4690-804F-004489C03153}"/>
+    <dgm:cxn modelId="{E1AA964E-3B54-4A47-B343-D8FD0ADD22BF}" srcId="{AA242DEA-79C5-449E-8309-C3AD15B892FA}" destId="{904F4153-2776-4143-A13E-5BE4B6701D2D}" srcOrd="1" destOrd="0" parTransId="{39A9161E-42BE-4ADB-9895-D38552ABB1FD}" sibTransId="{ACE74B2E-20BE-4BC1-BAD9-25179AEE04C9}"/>
+    <dgm:cxn modelId="{1963F53C-B6E6-47BD-B803-6423ADBE7ACB}" type="presOf" srcId="{2D7E3EE9-7437-4C20-93D4-7A6FEC1AAACE}" destId="{EAB8D254-8FE6-475C-B881-D2E6256A90C8}" srcOrd="0" destOrd="0" presId="urn:microsoft.com/office/officeart/2005/8/layout/vList5"/>
+    <dgm:cxn modelId="{4F0703A0-4ADD-4325-9EC4-92CF59BB07F0}" type="presOf" srcId="{C413BBBF-380C-4CEC-A8CF-B2FCC037CFC8}" destId="{20D97318-B57A-4656-9726-C99C8944366C}" srcOrd="0" destOrd="0" presId="urn:microsoft.com/office/officeart/2005/8/layout/vList5"/>
     <dgm:cxn modelId="{8A3919A8-ED07-4B16-8013-07E43BEB5564}" type="presOf" srcId="{956BC3B7-828B-4E06-AA2A-E88150E0A84F}" destId="{E8027EA7-242A-47DE-819A-B76961048A94}" srcOrd="0" destOrd="0" presId="urn:microsoft.com/office/officeart/2005/8/layout/vList5"/>
-    <dgm:cxn modelId="{4F0703A0-4ADD-4325-9EC4-92CF59BB07F0}" type="presOf" srcId="{C413BBBF-380C-4CEC-A8CF-B2FCC037CFC8}" destId="{20D97318-B57A-4656-9726-C99C8944366C}" srcOrd="0" destOrd="0" presId="urn:microsoft.com/office/officeart/2005/8/layout/vList5"/>
-    <dgm:cxn modelId="{1963F53C-B6E6-47BD-B803-6423ADBE7ACB}" type="presOf" srcId="{2D7E3EE9-7437-4C20-93D4-7A6FEC1AAACE}" destId="{EAB8D254-8FE6-475C-B881-D2E6256A90C8}" srcOrd="0" destOrd="0" presId="urn:microsoft.com/office/officeart/2005/8/layout/vList5"/>
-    <dgm:cxn modelId="{37F595D5-F291-4C61-9821-69EC3F2F4243}" srcId="{379AA258-C83C-4C40-B648-F1B5C422E6F7}" destId="{AA242DEA-79C5-449E-8309-C3AD15B892FA}" srcOrd="0" destOrd="0" parTransId="{663FB5D1-24DD-4A4A-B1C6-AB39A8082D91}" sibTransId="{E7521C8A-A129-4212-9F82-99A833E0ED94}"/>
-    <dgm:cxn modelId="{1D66994E-1217-4BF6-915F-78080F1F302E}" srcId="{379AA258-C83C-4C40-B648-F1B5C422E6F7}" destId="{C413BBBF-380C-4CEC-A8CF-B2FCC037CFC8}" srcOrd="1" destOrd="0" parTransId="{FE7B5542-196E-42B9-A14C-52859CC6E320}" sibTransId="{76907F42-89C2-4EA8-876B-54F448BB1999}"/>
-    <dgm:cxn modelId="{E1AA964E-3B54-4A47-B343-D8FD0ADD22BF}" srcId="{AA242DEA-79C5-449E-8309-C3AD15B892FA}" destId="{904F4153-2776-4143-A13E-5BE4B6701D2D}" srcOrd="1" destOrd="0" parTransId="{39A9161E-42BE-4ADB-9895-D38552ABB1FD}" sibTransId="{ACE74B2E-20BE-4BC1-BAD9-25179AEE04C9}"/>
     <dgm:cxn modelId="{E9178C19-ADF4-4ACF-AAD8-FEB3A778F5D9}" type="presOf" srcId="{AA242DEA-79C5-449E-8309-C3AD15B892FA}" destId="{01BD75F8-34C1-4140-B003-CDB8697EC544}" srcOrd="0" destOrd="0" presId="urn:microsoft.com/office/officeart/2005/8/layout/vList5"/>
-    <dgm:cxn modelId="{3CE11ABB-47E2-4A47-8D46-9EEE5243C62F}" srcId="{C413BBBF-380C-4CEC-A8CF-B2FCC037CFC8}" destId="{440E22D3-D065-41E6-888A-BC845BCE18BF}" srcOrd="0" destOrd="0" parTransId="{F1457B74-7DD4-438D-AECA-4B3E3B446803}" sibTransId="{6F5C4763-E7E3-4070-9641-E4C29F4A8111}"/>
-    <dgm:cxn modelId="{FEF92851-C89F-47D2-8BA2-2AD1AE16C7FC}" type="presOf" srcId="{904F4153-2776-4143-A13E-5BE4B6701D2D}" destId="{2A7B84D9-4D05-4993-8FEA-F0CDF0FE921E}" srcOrd="0" destOrd="1" presId="urn:microsoft.com/office/officeart/2005/8/layout/vList5"/>
-    <dgm:cxn modelId="{810966A6-7F0D-42B0-93F9-49CB4EC1CE3F}" srcId="{AA242DEA-79C5-449E-8309-C3AD15B892FA}" destId="{95F154A7-9CCB-43F5-9903-1FD12AABC733}" srcOrd="0" destOrd="0" parTransId="{810D9014-2CC3-47A4-B5C5-78BF277432DC}" sibTransId="{6AB29E15-2950-4690-804F-004489C03153}"/>
     <dgm:cxn modelId="{7188A2FC-B0FB-4ABB-953D-4AEF495D4763}" srcId="{379AA258-C83C-4C40-B648-F1B5C422E6F7}" destId="{2D7E3EE9-7437-4C20-93D4-7A6FEC1AAACE}" srcOrd="2" destOrd="0" parTransId="{5034E569-6F5A-4F9C-B301-01B16FC4BA6F}" sibTransId="{5F8B28FA-2EAB-4322-AA7E-30525F5A9B78}"/>
-    <dgm:cxn modelId="{BACBF88B-3510-42B2-A176-F3AB94C0583D}" type="presOf" srcId="{379AA258-C83C-4C40-B648-F1B5C422E6F7}" destId="{847B70ED-EC22-4392-86F8-73C9FB5CA08C}" srcOrd="0" destOrd="0" presId="urn:microsoft.com/office/officeart/2005/8/layout/vList5"/>
     <dgm:cxn modelId="{AE89DD81-F2ED-4673-AE13-84D4218FF38D}" type="presParOf" srcId="{847B70ED-EC22-4392-86F8-73C9FB5CA08C}" destId="{D4C3490E-3E29-45E2-B15C-B97B51CDF84E}" srcOrd="0" destOrd="0" presId="urn:microsoft.com/office/officeart/2005/8/layout/vList5"/>
     <dgm:cxn modelId="{B90AEAE2-54B0-449D-B47C-BBC2465D70CA}" type="presParOf" srcId="{D4C3490E-3E29-45E2-B15C-B97B51CDF84E}" destId="{01BD75F8-34C1-4140-B003-CDB8697EC544}" srcOrd="0" destOrd="0" presId="urn:microsoft.com/office/officeart/2005/8/layout/vList5"/>
     <dgm:cxn modelId="{009516E3-5DC4-43A7-AB46-B97808C323AA}" type="presParOf" srcId="{D4C3490E-3E29-45E2-B15C-B97B51CDF84E}" destId="{2A7B84D9-4D05-4993-8FEA-F0CDF0FE921E}" srcOrd="1" destOrd="0" presId="urn:microsoft.com/office/officeart/2005/8/layout/vList5"/>
@@ -6350,7 +6362,7 @@
   <dgm:whole/>
   <dgm:extLst>
     <a:ext uri="http://schemas.microsoft.com/office/drawing/2008/diagram">
-      <dsp:dataModelExt xmlns:dsp="http://schemas.microsoft.com/office/drawing/2008/diagram" relId="rId6" minVer="http://schemas.openxmlformats.org/drawingml/2006/diagram"/>
+      <dsp:dataModelExt xmlns:dsp="http://schemas.microsoft.com/office/drawing/2008/diagram" xmlns="" relId="rId6" minVer="http://schemas.openxmlformats.org/drawingml/2006/diagram"/>
     </a:ext>
   </dgm:extLst>
 </dgm:dataModel>
@@ -6570,7 +6582,19 @@
             <a:rPr lang="en-US" sz="1300" i="1" dirty="0" smtClean="0">
               <a:latin typeface="+mn-lt"/>
             </a:rPr>
-            <a:t>Developer’s on-boarding, delivery efficiency and delivery /deployment time</a:t>
+            <a:t>Developer’s on-boarding, delivery efficiency and </a:t>
+          </a:r>
+          <a:r>
+            <a:rPr lang="en-US" sz="1300" i="1" dirty="0" smtClean="0">
+              <a:latin typeface="+mn-lt"/>
+            </a:rPr>
+            <a:t>deployment </a:t>
+          </a:r>
+          <a:r>
+            <a:rPr lang="en-US" sz="1300" i="1" dirty="0" smtClean="0">
+              <a:latin typeface="+mn-lt"/>
+            </a:rPr>
+            <a:t>time</a:t>
           </a:r>
           <a:endParaRPr lang="en-US" sz="1300" i="1" dirty="0">
             <a:latin typeface="+mn-lt"/>
@@ -6693,17 +6717,17 @@
     </dgm:pt>
   </dgm:ptLst>
   <dgm:cxnLst>
+    <dgm:cxn modelId="{8E089C6F-EB9F-469B-A43F-A36C044C739A}" type="presOf" srcId="{AA242DEA-79C5-449E-8309-C3AD15B892FA}" destId="{01BD75F8-34C1-4140-B003-CDB8697EC544}" srcOrd="0" destOrd="0" presId="urn:microsoft.com/office/officeart/2005/8/layout/vList5"/>
+    <dgm:cxn modelId="{37F595D5-F291-4C61-9821-69EC3F2F4243}" srcId="{379AA258-C83C-4C40-B648-F1B5C422E6F7}" destId="{AA242DEA-79C5-449E-8309-C3AD15B892FA}" srcOrd="0" destOrd="0" parTransId="{663FB5D1-24DD-4A4A-B1C6-AB39A8082D91}" sibTransId="{E7521C8A-A129-4212-9F82-99A833E0ED94}"/>
+    <dgm:cxn modelId="{9CC1B640-2E87-44BE-BF30-8E83D1930ECA}" type="presOf" srcId="{379AA258-C83C-4C40-B648-F1B5C422E6F7}" destId="{847B70ED-EC22-4392-86F8-73C9FB5CA08C}" srcOrd="0" destOrd="0" presId="urn:microsoft.com/office/officeart/2005/8/layout/vList5"/>
     <dgm:cxn modelId="{4871ECB1-17F0-4AAF-8436-F062E11E664D}" srcId="{2D7E3EE9-7437-4C20-93D4-7A6FEC1AAACE}" destId="{956BC3B7-828B-4E06-AA2A-E88150E0A84F}" srcOrd="0" destOrd="0" parTransId="{1DB78476-BCFB-48F2-AE55-83D3A37A8CB8}" sibTransId="{90786708-5426-42B4-9B05-D3DA096AE1CD}"/>
     <dgm:cxn modelId="{D5D4DB9A-1CCA-4DF1-B523-BE04E175B320}" type="presOf" srcId="{95F154A7-9CCB-43F5-9903-1FD12AABC733}" destId="{2A7B84D9-4D05-4993-8FEA-F0CDF0FE921E}" srcOrd="0" destOrd="0" presId="urn:microsoft.com/office/officeart/2005/8/layout/vList5"/>
     <dgm:cxn modelId="{C4128F7F-F286-477F-8B19-1AF3E90FC7F7}" type="presOf" srcId="{956BC3B7-828B-4E06-AA2A-E88150E0A84F}" destId="{E8027EA7-242A-47DE-819A-B76961048A94}" srcOrd="0" destOrd="0" presId="urn:microsoft.com/office/officeart/2005/8/layout/vList5"/>
+    <dgm:cxn modelId="{810966A6-7F0D-42B0-93F9-49CB4EC1CE3F}" srcId="{AA242DEA-79C5-449E-8309-C3AD15B892FA}" destId="{95F154A7-9CCB-43F5-9903-1FD12AABC733}" srcOrd="0" destOrd="0" parTransId="{810D9014-2CC3-47A4-B5C5-78BF277432DC}" sibTransId="{6AB29E15-2950-4690-804F-004489C03153}"/>
+    <dgm:cxn modelId="{E1AA964E-3B54-4A47-B343-D8FD0ADD22BF}" srcId="{AA242DEA-79C5-449E-8309-C3AD15B892FA}" destId="{904F4153-2776-4143-A13E-5BE4B6701D2D}" srcOrd="1" destOrd="0" parTransId="{39A9161E-42BE-4ADB-9895-D38552ABB1FD}" sibTransId="{ACE74B2E-20BE-4BC1-BAD9-25179AEE04C9}"/>
+    <dgm:cxn modelId="{E8ED875B-1A7D-4A5F-BD25-C2D89D659E31}" type="presOf" srcId="{2D7E3EE9-7437-4C20-93D4-7A6FEC1AAACE}" destId="{EAB8D254-8FE6-475C-B881-D2E6256A90C8}" srcOrd="0" destOrd="0" presId="urn:microsoft.com/office/officeart/2005/8/layout/vList5"/>
     <dgm:cxn modelId="{E9D93258-9C72-4D1B-98C2-B410B1D5E7B5}" type="presOf" srcId="{904F4153-2776-4143-A13E-5BE4B6701D2D}" destId="{2A7B84D9-4D05-4993-8FEA-F0CDF0FE921E}" srcOrd="0" destOrd="1" presId="urn:microsoft.com/office/officeart/2005/8/layout/vList5"/>
-    <dgm:cxn modelId="{37F595D5-F291-4C61-9821-69EC3F2F4243}" srcId="{379AA258-C83C-4C40-B648-F1B5C422E6F7}" destId="{AA242DEA-79C5-449E-8309-C3AD15B892FA}" srcOrd="0" destOrd="0" parTransId="{663FB5D1-24DD-4A4A-B1C6-AB39A8082D91}" sibTransId="{E7521C8A-A129-4212-9F82-99A833E0ED94}"/>
-    <dgm:cxn modelId="{8E089C6F-EB9F-469B-A43F-A36C044C739A}" type="presOf" srcId="{AA242DEA-79C5-449E-8309-C3AD15B892FA}" destId="{01BD75F8-34C1-4140-B003-CDB8697EC544}" srcOrd="0" destOrd="0" presId="urn:microsoft.com/office/officeart/2005/8/layout/vList5"/>
-    <dgm:cxn modelId="{E8ED875B-1A7D-4A5F-BD25-C2D89D659E31}" type="presOf" srcId="{2D7E3EE9-7437-4C20-93D4-7A6FEC1AAACE}" destId="{EAB8D254-8FE6-475C-B881-D2E6256A90C8}" srcOrd="0" destOrd="0" presId="urn:microsoft.com/office/officeart/2005/8/layout/vList5"/>
-    <dgm:cxn modelId="{E1AA964E-3B54-4A47-B343-D8FD0ADD22BF}" srcId="{AA242DEA-79C5-449E-8309-C3AD15B892FA}" destId="{904F4153-2776-4143-A13E-5BE4B6701D2D}" srcOrd="1" destOrd="0" parTransId="{39A9161E-42BE-4ADB-9895-D38552ABB1FD}" sibTransId="{ACE74B2E-20BE-4BC1-BAD9-25179AEE04C9}"/>
-    <dgm:cxn modelId="{9CC1B640-2E87-44BE-BF30-8E83D1930ECA}" type="presOf" srcId="{379AA258-C83C-4C40-B648-F1B5C422E6F7}" destId="{847B70ED-EC22-4392-86F8-73C9FB5CA08C}" srcOrd="0" destOrd="0" presId="urn:microsoft.com/office/officeart/2005/8/layout/vList5"/>
     <dgm:cxn modelId="{7188A2FC-B0FB-4ABB-953D-4AEF495D4763}" srcId="{379AA258-C83C-4C40-B648-F1B5C422E6F7}" destId="{2D7E3EE9-7437-4C20-93D4-7A6FEC1AAACE}" srcOrd="1" destOrd="0" parTransId="{5034E569-6F5A-4F9C-B301-01B16FC4BA6F}" sibTransId="{5F8B28FA-2EAB-4322-AA7E-30525F5A9B78}"/>
-    <dgm:cxn modelId="{810966A6-7F0D-42B0-93F9-49CB4EC1CE3F}" srcId="{AA242DEA-79C5-449E-8309-C3AD15B892FA}" destId="{95F154A7-9CCB-43F5-9903-1FD12AABC733}" srcOrd="0" destOrd="0" parTransId="{810D9014-2CC3-47A4-B5C5-78BF277432DC}" sibTransId="{6AB29E15-2950-4690-804F-004489C03153}"/>
     <dgm:cxn modelId="{974640B2-6AB3-4EBE-9104-3E4296F8ECF5}" type="presParOf" srcId="{847B70ED-EC22-4392-86F8-73C9FB5CA08C}" destId="{D4C3490E-3E29-45E2-B15C-B97B51CDF84E}" srcOrd="0" destOrd="0" presId="urn:microsoft.com/office/officeart/2005/8/layout/vList5"/>
     <dgm:cxn modelId="{90DC2673-89C4-4EBB-98BB-E6DB9EC8CA9D}" type="presParOf" srcId="{D4C3490E-3E29-45E2-B15C-B97B51CDF84E}" destId="{01BD75F8-34C1-4140-B003-CDB8697EC544}" srcOrd="0" destOrd="0" presId="urn:microsoft.com/office/officeart/2005/8/layout/vList5"/>
     <dgm:cxn modelId="{3EEBFF16-BF98-410E-A896-3A4E8AE7CE78}" type="presParOf" srcId="{D4C3490E-3E29-45E2-B15C-B97B51CDF84E}" destId="{2A7B84D9-4D05-4993-8FEA-F0CDF0FE921E}" srcOrd="1" destOrd="0" presId="urn:microsoft.com/office/officeart/2005/8/layout/vList5"/>
@@ -6716,7 +6740,7 @@
   <dgm:whole/>
   <dgm:extLst>
     <a:ext uri="http://schemas.microsoft.com/office/drawing/2008/diagram">
-      <dsp:dataModelExt xmlns:dsp="http://schemas.microsoft.com/office/drawing/2008/diagram" relId="rId8" minVer="http://schemas.openxmlformats.org/drawingml/2006/diagram"/>
+      <dsp:dataModelExt xmlns:dsp="http://schemas.microsoft.com/office/drawing/2008/diagram" xmlns="" relId="rId8" minVer="http://schemas.openxmlformats.org/drawingml/2006/diagram"/>
     </a:ext>
   </dgm:extLst>
 </dgm:dataModel>
@@ -7091,19 +7115,19 @@
     </dgm:pt>
   </dgm:ptLst>
   <dgm:cxnLst>
+    <dgm:cxn modelId="{32F33A0F-443B-41E1-889E-A1A61905395B}" srcId="{AA242DEA-79C5-449E-8309-C3AD15B892FA}" destId="{410A66F0-6567-46EF-B830-DD0AB3381850}" srcOrd="1" destOrd="0" parTransId="{09FA914F-0B3F-4291-99D3-C22B64E4E4FC}" sibTransId="{AF55E617-AA0E-4402-8611-77F1A0C5AE54}"/>
+    <dgm:cxn modelId="{EC12A6BF-3624-4D16-BEB2-C21B0EAD40FE}" type="presOf" srcId="{AA242DEA-79C5-449E-8309-C3AD15B892FA}" destId="{01BD75F8-34C1-4140-B003-CDB8697EC544}" srcOrd="0" destOrd="0" presId="urn:microsoft.com/office/officeart/2005/8/layout/vList5"/>
+    <dgm:cxn modelId="{4F79EC32-FC6D-4C06-8709-23AD6034F8A6}" type="presOf" srcId="{2D7E3EE9-7437-4C20-93D4-7A6FEC1AAACE}" destId="{EAB8D254-8FE6-475C-B881-D2E6256A90C8}" srcOrd="0" destOrd="0" presId="urn:microsoft.com/office/officeart/2005/8/layout/vList5"/>
+    <dgm:cxn modelId="{37F595D5-F291-4C61-9821-69EC3F2F4243}" srcId="{379AA258-C83C-4C40-B648-F1B5C422E6F7}" destId="{AA242DEA-79C5-449E-8309-C3AD15B892FA}" srcOrd="0" destOrd="0" parTransId="{663FB5D1-24DD-4A4A-B1C6-AB39A8082D91}" sibTransId="{E7521C8A-A129-4212-9F82-99A833E0ED94}"/>
+    <dgm:cxn modelId="{3C927187-D17B-4960-9CF3-71D7E0264D7E}" type="presOf" srcId="{379AA258-C83C-4C40-B648-F1B5C422E6F7}" destId="{847B70ED-EC22-4392-86F8-73C9FB5CA08C}" srcOrd="0" destOrd="0" presId="urn:microsoft.com/office/officeart/2005/8/layout/vList5"/>
+    <dgm:cxn modelId="{4871ECB1-17F0-4AAF-8436-F062E11E664D}" srcId="{2D7E3EE9-7437-4C20-93D4-7A6FEC1AAACE}" destId="{956BC3B7-828B-4E06-AA2A-E88150E0A84F}" srcOrd="0" destOrd="0" parTransId="{1DB78476-BCFB-48F2-AE55-83D3A37A8CB8}" sibTransId="{90786708-5426-42B4-9B05-D3DA096AE1CD}"/>
+    <dgm:cxn modelId="{A914BFA6-54C5-4EC5-A310-20A0EBCE5247}" type="presOf" srcId="{95F154A7-9CCB-43F5-9903-1FD12AABC733}" destId="{2A7B84D9-4D05-4993-8FEA-F0CDF0FE921E}" srcOrd="0" destOrd="0" presId="urn:microsoft.com/office/officeart/2005/8/layout/vList5"/>
+    <dgm:cxn modelId="{B564947F-ECA5-4545-BF87-EE57856294A0}" type="presOf" srcId="{410A66F0-6567-46EF-B830-DD0AB3381850}" destId="{2A7B84D9-4D05-4993-8FEA-F0CDF0FE921E}" srcOrd="0" destOrd="1" presId="urn:microsoft.com/office/officeart/2005/8/layout/vList5"/>
+    <dgm:cxn modelId="{90970A5D-228A-4939-9916-5E0340551DB1}" srcId="{2D7E3EE9-7437-4C20-93D4-7A6FEC1AAACE}" destId="{ACCFBE95-2BF5-461B-8D35-9A155EDC3ECA}" srcOrd="1" destOrd="0" parTransId="{0EF4E7EB-FC99-4BA3-B56E-96F499F3B365}" sibTransId="{B549114D-5B64-4577-8728-3E78D31AC7FF}"/>
+    <dgm:cxn modelId="{810966A6-7F0D-42B0-93F9-49CB4EC1CE3F}" srcId="{AA242DEA-79C5-449E-8309-C3AD15B892FA}" destId="{95F154A7-9CCB-43F5-9903-1FD12AABC733}" srcOrd="0" destOrd="0" parTransId="{810D9014-2CC3-47A4-B5C5-78BF277432DC}" sibTransId="{6AB29E15-2950-4690-804F-004489C03153}"/>
     <dgm:cxn modelId="{28991465-8A70-4E59-BD4C-09C3B4E2D3F4}" type="presOf" srcId="{956BC3B7-828B-4E06-AA2A-E88150E0A84F}" destId="{E8027EA7-242A-47DE-819A-B76961048A94}" srcOrd="0" destOrd="0" presId="urn:microsoft.com/office/officeart/2005/8/layout/vList5"/>
-    <dgm:cxn modelId="{4871ECB1-17F0-4AAF-8436-F062E11E664D}" srcId="{2D7E3EE9-7437-4C20-93D4-7A6FEC1AAACE}" destId="{956BC3B7-828B-4E06-AA2A-E88150E0A84F}" srcOrd="0" destOrd="0" parTransId="{1DB78476-BCFB-48F2-AE55-83D3A37A8CB8}" sibTransId="{90786708-5426-42B4-9B05-D3DA096AE1CD}"/>
-    <dgm:cxn modelId="{3C927187-D17B-4960-9CF3-71D7E0264D7E}" type="presOf" srcId="{379AA258-C83C-4C40-B648-F1B5C422E6F7}" destId="{847B70ED-EC22-4392-86F8-73C9FB5CA08C}" srcOrd="0" destOrd="0" presId="urn:microsoft.com/office/officeart/2005/8/layout/vList5"/>
-    <dgm:cxn modelId="{A914BFA6-54C5-4EC5-A310-20A0EBCE5247}" type="presOf" srcId="{95F154A7-9CCB-43F5-9903-1FD12AABC733}" destId="{2A7B84D9-4D05-4993-8FEA-F0CDF0FE921E}" srcOrd="0" destOrd="0" presId="urn:microsoft.com/office/officeart/2005/8/layout/vList5"/>
     <dgm:cxn modelId="{FD644F4F-C04E-4078-B7EA-240A0535486C}" type="presOf" srcId="{ACCFBE95-2BF5-461B-8D35-9A155EDC3ECA}" destId="{E8027EA7-242A-47DE-819A-B76961048A94}" srcOrd="0" destOrd="1" presId="urn:microsoft.com/office/officeart/2005/8/layout/vList5"/>
-    <dgm:cxn modelId="{EC12A6BF-3624-4D16-BEB2-C21B0EAD40FE}" type="presOf" srcId="{AA242DEA-79C5-449E-8309-C3AD15B892FA}" destId="{01BD75F8-34C1-4140-B003-CDB8697EC544}" srcOrd="0" destOrd="0" presId="urn:microsoft.com/office/officeart/2005/8/layout/vList5"/>
-    <dgm:cxn modelId="{37F595D5-F291-4C61-9821-69EC3F2F4243}" srcId="{379AA258-C83C-4C40-B648-F1B5C422E6F7}" destId="{AA242DEA-79C5-449E-8309-C3AD15B892FA}" srcOrd="0" destOrd="0" parTransId="{663FB5D1-24DD-4A4A-B1C6-AB39A8082D91}" sibTransId="{E7521C8A-A129-4212-9F82-99A833E0ED94}"/>
-    <dgm:cxn modelId="{B564947F-ECA5-4545-BF87-EE57856294A0}" type="presOf" srcId="{410A66F0-6567-46EF-B830-DD0AB3381850}" destId="{2A7B84D9-4D05-4993-8FEA-F0CDF0FE921E}" srcOrd="0" destOrd="1" presId="urn:microsoft.com/office/officeart/2005/8/layout/vList5"/>
-    <dgm:cxn modelId="{4F79EC32-FC6D-4C06-8709-23AD6034F8A6}" type="presOf" srcId="{2D7E3EE9-7437-4C20-93D4-7A6FEC1AAACE}" destId="{EAB8D254-8FE6-475C-B881-D2E6256A90C8}" srcOrd="0" destOrd="0" presId="urn:microsoft.com/office/officeart/2005/8/layout/vList5"/>
-    <dgm:cxn modelId="{32F33A0F-443B-41E1-889E-A1A61905395B}" srcId="{AA242DEA-79C5-449E-8309-C3AD15B892FA}" destId="{410A66F0-6567-46EF-B830-DD0AB3381850}" srcOrd="1" destOrd="0" parTransId="{09FA914F-0B3F-4291-99D3-C22B64E4E4FC}" sibTransId="{AF55E617-AA0E-4402-8611-77F1A0C5AE54}"/>
-    <dgm:cxn modelId="{90970A5D-228A-4939-9916-5E0340551DB1}" srcId="{2D7E3EE9-7437-4C20-93D4-7A6FEC1AAACE}" destId="{ACCFBE95-2BF5-461B-8D35-9A155EDC3ECA}" srcOrd="1" destOrd="0" parTransId="{0EF4E7EB-FC99-4BA3-B56E-96F499F3B365}" sibTransId="{B549114D-5B64-4577-8728-3E78D31AC7FF}"/>
     <dgm:cxn modelId="{7188A2FC-B0FB-4ABB-953D-4AEF495D4763}" srcId="{379AA258-C83C-4C40-B648-F1B5C422E6F7}" destId="{2D7E3EE9-7437-4C20-93D4-7A6FEC1AAACE}" srcOrd="1" destOrd="0" parTransId="{5034E569-6F5A-4F9C-B301-01B16FC4BA6F}" sibTransId="{5F8B28FA-2EAB-4322-AA7E-30525F5A9B78}"/>
-    <dgm:cxn modelId="{810966A6-7F0D-42B0-93F9-49CB4EC1CE3F}" srcId="{AA242DEA-79C5-449E-8309-C3AD15B892FA}" destId="{95F154A7-9CCB-43F5-9903-1FD12AABC733}" srcOrd="0" destOrd="0" parTransId="{810D9014-2CC3-47A4-B5C5-78BF277432DC}" sibTransId="{6AB29E15-2950-4690-804F-004489C03153}"/>
     <dgm:cxn modelId="{7E89B035-6BD7-4310-AF22-59973ED1A8BA}" type="presParOf" srcId="{847B70ED-EC22-4392-86F8-73C9FB5CA08C}" destId="{D4C3490E-3E29-45E2-B15C-B97B51CDF84E}" srcOrd="0" destOrd="0" presId="urn:microsoft.com/office/officeart/2005/8/layout/vList5"/>
     <dgm:cxn modelId="{03DBEFE4-5915-46B7-B5D5-181030DA8BFB}" type="presParOf" srcId="{D4C3490E-3E29-45E2-B15C-B97B51CDF84E}" destId="{01BD75F8-34C1-4140-B003-CDB8697EC544}" srcOrd="0" destOrd="0" presId="urn:microsoft.com/office/officeart/2005/8/layout/vList5"/>
     <dgm:cxn modelId="{DA42FDB7-2EA2-494F-B609-AE3B2DED5A23}" type="presParOf" srcId="{D4C3490E-3E29-45E2-B15C-B97B51CDF84E}" destId="{2A7B84D9-4D05-4993-8FEA-F0CDF0FE921E}" srcOrd="1" destOrd="0" presId="urn:microsoft.com/office/officeart/2005/8/layout/vList5"/>
@@ -7116,7 +7140,7 @@
   <dgm:whole/>
   <dgm:extLst>
     <a:ext uri="http://schemas.microsoft.com/office/drawing/2008/diagram">
-      <dsp:dataModelExt xmlns:dsp="http://schemas.microsoft.com/office/drawing/2008/diagram" relId="rId13" minVer="http://schemas.openxmlformats.org/drawingml/2006/diagram"/>
+      <dsp:dataModelExt xmlns:dsp="http://schemas.microsoft.com/office/drawing/2008/diagram" xmlns="" relId="rId13" minVer="http://schemas.openxmlformats.org/drawingml/2006/diagram"/>
     </a:ext>
   </dgm:extLst>
 </dgm:dataModel>
@@ -8159,43 +8183,43 @@
     </dgm:pt>
   </dgm:ptLst>
   <dgm:cxnLst>
-    <dgm:cxn modelId="{47A1C6A2-4AC6-4EE8-B511-0BA99D5B2226}" type="presOf" srcId="{196A86C3-55CF-449D-8DEB-BE18DF61482D}" destId="{CA3869C7-3D5A-4093-A653-F98B2DD9516E}" srcOrd="0" destOrd="0" presId="urn:microsoft.com/office/officeart/2005/8/layout/vList5"/>
+    <dgm:cxn modelId="{579D09AD-B27A-4CBB-944E-42C7FA80EC5E}" srcId="{046857EE-EA50-421D-B8D8-D293D32EBED8}" destId="{CA653B57-6EB2-467F-B944-BED6AF0FB0F9}" srcOrd="1" destOrd="0" parTransId="{D2AE40B7-0482-40E2-86F6-0606E1436815}" sibTransId="{4BD10C31-8F09-4728-802A-52A7741622E4}"/>
+    <dgm:cxn modelId="{A61FA3F5-BD5F-4D71-8C5B-59F5BFF46D3C}" type="presOf" srcId="{349A0DB4-33B4-4239-9963-F2A749984CF1}" destId="{491E99C5-B65C-4C10-9B91-9A529B8FF8A1}" srcOrd="0" destOrd="0" presId="urn:microsoft.com/office/officeart/2005/8/layout/vList5"/>
     <dgm:cxn modelId="{E3A07661-7FC8-4E01-9EAC-D2681E900B0B}" type="presOf" srcId="{8A2B460C-D136-4807-AFEF-8C7FB482D362}" destId="{1FD47CF6-A73F-4957-BC59-BD3F2760740D}" srcOrd="0" destOrd="0" presId="urn:microsoft.com/office/officeart/2005/8/layout/vList5"/>
+    <dgm:cxn modelId="{82C3B383-A47F-4AB2-8B00-C288EF95DD30}" srcId="{046857EE-EA50-421D-B8D8-D293D32EBED8}" destId="{8A2B460C-D136-4807-AFEF-8C7FB482D362}" srcOrd="0" destOrd="0" parTransId="{D0A71D73-FB98-4A48-94F2-4E3C183747C6}" sibTransId="{0B8CFC41-0F89-43B9-9139-A21BED08968F}"/>
+    <dgm:cxn modelId="{134CC1BB-F8D5-4D7C-9949-C6E66D86308B}" srcId="{80A0E114-9DFF-403C-81E2-3F0E4960D625}" destId="{D1592991-79D3-47A3-9813-8BE9CEDF2BFD}" srcOrd="0" destOrd="0" parTransId="{F9AB81CE-5C3B-41BD-A8C4-E0DFC3C64502}" sibTransId="{08B430FA-74C6-4649-B9CA-595432D4817F}"/>
     <dgm:cxn modelId="{E83FFFAD-E748-41A4-BCD5-BA5C500D5A5A}" srcId="{349A0DB4-33B4-4239-9963-F2A749984CF1}" destId="{196A86C3-55CF-449D-8DEB-BE18DF61482D}" srcOrd="2" destOrd="0" parTransId="{67140E3B-658D-4C7A-8BC4-AA726CA39DE2}" sibTransId="{9079C8B2-9362-4FE7-8841-8357837340A4}"/>
-    <dgm:cxn modelId="{A61FA3F5-BD5F-4D71-8C5B-59F5BFF46D3C}" type="presOf" srcId="{349A0DB4-33B4-4239-9963-F2A749984CF1}" destId="{491E99C5-B65C-4C10-9B91-9A529B8FF8A1}" srcOrd="0" destOrd="0" presId="urn:microsoft.com/office/officeart/2005/8/layout/vList5"/>
-    <dgm:cxn modelId="{CB14928F-2F0C-4058-92D6-CC5B09CEA14A}" type="presOf" srcId="{B9DFA27D-0CF8-469E-A9AD-DE9120E517D7}" destId="{1DEB945A-18ED-4BC7-AADC-6153E54828A4}" srcOrd="0" destOrd="0" presId="urn:microsoft.com/office/officeart/2005/8/layout/vList5"/>
-    <dgm:cxn modelId="{D40FBC68-A985-4E1F-9F9B-2F56EC2460B8}" type="presOf" srcId="{D1592991-79D3-47A3-9813-8BE9CEDF2BFD}" destId="{DB237B8B-44DD-4303-815E-B7FDCF76580E}" srcOrd="0" destOrd="0" presId="urn:microsoft.com/office/officeart/2005/8/layout/vList5"/>
-    <dgm:cxn modelId="{8DFC4CEC-A970-43E3-83E8-56568E842EC6}" type="presOf" srcId="{CA653B57-6EB2-467F-B944-BED6AF0FB0F9}" destId="{1FD47CF6-A73F-4957-BC59-BD3F2760740D}" srcOrd="0" destOrd="1" presId="urn:microsoft.com/office/officeart/2005/8/layout/vList5"/>
-    <dgm:cxn modelId="{86318789-DF6E-4DD9-AE9A-A7255EB1F842}" srcId="{B9DFA27D-0CF8-469E-A9AD-DE9120E517D7}" destId="{7F692C8B-BAD2-40D6-A66C-A1FFED1CC2C5}" srcOrd="0" destOrd="0" parTransId="{D479E791-814C-48BD-BC2B-AF18EF3C71EE}" sibTransId="{2311A86C-3808-4562-9050-FD6A7A63545E}"/>
+    <dgm:cxn modelId="{A5EBF7FE-52D4-480B-A08B-6C4A7C4E813D}" type="presOf" srcId="{E4D98BA8-7ACF-420E-8EFF-4F364F941904}" destId="{4700B3A7-60F1-48F4-943F-974B024D79C2}" srcOrd="0" destOrd="0" presId="urn:microsoft.com/office/officeart/2005/8/layout/vList5"/>
+    <dgm:cxn modelId="{2848DAC7-A149-428A-9170-1D94D5BCB980}" type="presOf" srcId="{7F692C8B-BAD2-40D6-A66C-A1FFED1CC2C5}" destId="{791C9751-AA78-4EFD-8F4E-E3751273769C}" srcOrd="0" destOrd="0" presId="urn:microsoft.com/office/officeart/2005/8/layout/vList5"/>
+    <dgm:cxn modelId="{84E5166E-C1C4-445B-95DE-E039B5AEBEFC}" type="presOf" srcId="{046857EE-EA50-421D-B8D8-D293D32EBED8}" destId="{79F3A793-6F1A-4E49-ACC9-E21A05CC0E46}" srcOrd="0" destOrd="0" presId="urn:microsoft.com/office/officeart/2005/8/layout/vList5"/>
     <dgm:cxn modelId="{4F17ECC7-0AAC-4B30-9601-F3DB6CBD28FF}" srcId="{349A0DB4-33B4-4239-9963-F2A749984CF1}" destId="{F2D661BB-2080-4085-B2F4-01D77DDD6A9E}" srcOrd="3" destOrd="0" parTransId="{AA3117F6-1C59-4A8B-A872-849021D722DC}" sibTransId="{EBF0E5A3-6CBF-4106-AC93-96BAF2236B65}"/>
-    <dgm:cxn modelId="{3AE85A6E-2BBE-4CCB-815E-F9E0F385E6F5}" srcId="{349A0DB4-33B4-4239-9963-F2A749984CF1}" destId="{046857EE-EA50-421D-B8D8-D293D32EBED8}" srcOrd="0" destOrd="0" parTransId="{B29E628F-09EF-40AB-A829-CEB77BEC19C9}" sibTransId="{70F9E659-2279-442A-8FB6-8395D804B93D}"/>
-    <dgm:cxn modelId="{FFB6CD07-FFEA-419F-AC37-1A191183877B}" srcId="{0540B764-94CE-4DF7-9789-F6ED5DCE3594}" destId="{1FEDA259-6357-4FE5-A546-6D3CC561ACA9}" srcOrd="0" destOrd="0" parTransId="{3A938D89-26F7-48C3-B6A1-01303B190FA7}" sibTransId="{D1B4D88B-7F07-4498-A667-759903538E6A}"/>
-    <dgm:cxn modelId="{134CC1BB-F8D5-4D7C-9949-C6E66D86308B}" srcId="{80A0E114-9DFF-403C-81E2-3F0E4960D625}" destId="{D1592991-79D3-47A3-9813-8BE9CEDF2BFD}" srcOrd="0" destOrd="0" parTransId="{F9AB81CE-5C3B-41BD-A8C4-E0DFC3C64502}" sibTransId="{08B430FA-74C6-4649-B9CA-595432D4817F}"/>
+    <dgm:cxn modelId="{334460C9-0E9C-40E0-A767-5AA7A6DDE62B}" srcId="{349A0DB4-33B4-4239-9963-F2A749984CF1}" destId="{B9DFA27D-0CF8-469E-A9AD-DE9120E517D7}" srcOrd="6" destOrd="0" parTransId="{7E318826-ED0A-4A7F-B86C-C13498480340}" sibTransId="{4536513D-D718-44EE-9825-761351FABC02}"/>
+    <dgm:cxn modelId="{12A9E8F4-FEDA-4390-A66B-C76047EA8761}" srcId="{C503058F-4DF2-48DD-A61C-B73873AA8A3C}" destId="{E4D98BA8-7ACF-420E-8EFF-4F364F941904}" srcOrd="0" destOrd="0" parTransId="{EC776C8F-CE89-4D7E-A7F1-F76E493C00EA}" sibTransId="{A8E4C195-F5C5-4135-9F5A-6B35561755A7}"/>
+    <dgm:cxn modelId="{00D1BA12-AB60-48D6-9B0A-FDE105E281F4}" srcId="{F2D661BB-2080-4085-B2F4-01D77DDD6A9E}" destId="{FC0B5751-CA4D-4918-83B8-D4FFBAFB9B12}" srcOrd="0" destOrd="0" parTransId="{A0CC7114-96F1-4A38-8134-58FC2518C168}" sibTransId="{3DED340E-0523-43A8-8DE0-5495DB890562}"/>
+    <dgm:cxn modelId="{D3CC0942-AD09-4148-B70A-3C0D0E114B85}" srcId="{349A0DB4-33B4-4239-9963-F2A749984CF1}" destId="{6AB260F1-4155-4A1E-B583-171862BEE883}" srcOrd="1" destOrd="0" parTransId="{6D0F1FD7-6BB0-4078-96B1-357EB5FC202D}" sibTransId="{F565E595-3FD6-46E5-8844-C6D90B1A2D52}"/>
+    <dgm:cxn modelId="{4D8E9132-4AE5-4CA1-BBCC-13771C08A7DF}" type="presOf" srcId="{0540B764-94CE-4DF7-9789-F6ED5DCE3594}" destId="{12B2B7B1-5662-478D-AF96-9807BA624C1F}" srcOrd="0" destOrd="0" presId="urn:microsoft.com/office/officeart/2005/8/layout/vList5"/>
+    <dgm:cxn modelId="{F8814F72-7E86-4E3E-B6AD-D7BB04B9B3B7}" type="presOf" srcId="{1FEDA259-6357-4FE5-A546-6D3CC561ACA9}" destId="{92A26A56-0C0D-40DE-99C9-6CD997171D91}" srcOrd="0" destOrd="0" presId="urn:microsoft.com/office/officeart/2005/8/layout/vList5"/>
+    <dgm:cxn modelId="{5A085BAE-B52A-44AC-87D3-476231877450}" srcId="{349A0DB4-33B4-4239-9963-F2A749984CF1}" destId="{0540B764-94CE-4DF7-9789-F6ED5DCE3594}" srcOrd="5" destOrd="0" parTransId="{A5FE700D-545B-44A0-8BCC-F6BC780B7ABD}" sibTransId="{03E540D4-2524-4EB5-838F-10BDAFD9D7DC}"/>
     <dgm:cxn modelId="{586DFFA5-1437-42CF-8B0D-DAF13FAC5655}" type="presOf" srcId="{FC0B5751-CA4D-4918-83B8-D4FFBAFB9B12}" destId="{A86510C9-D720-46C1-A242-8D3E51D89011}" srcOrd="0" destOrd="0" presId="urn:microsoft.com/office/officeart/2005/8/layout/vList5"/>
     <dgm:cxn modelId="{327717FA-3043-4B62-BC5C-6FCDC17D767F}" type="presOf" srcId="{CF2409F3-43D6-43B6-91E4-F5570E51710A}" destId="{A86510C9-D720-46C1-A242-8D3E51D89011}" srcOrd="0" destOrd="1" presId="urn:microsoft.com/office/officeart/2005/8/layout/vList5"/>
+    <dgm:cxn modelId="{C64F5F48-E774-4ED2-8492-13BACE8EBD0A}" srcId="{349A0DB4-33B4-4239-9963-F2A749984CF1}" destId="{C503058F-4DF2-48DD-A61C-B73873AA8A3C}" srcOrd="4" destOrd="0" parTransId="{63DFB790-5ED4-46F3-9373-596E9D14E73B}" sibTransId="{0614A2A9-5406-4893-8C98-93701B6BB4F8}"/>
+    <dgm:cxn modelId="{47A1C6A2-4AC6-4EE8-B511-0BA99D5B2226}" type="presOf" srcId="{196A86C3-55CF-449D-8DEB-BE18DF61482D}" destId="{CA3869C7-3D5A-4093-A653-F98B2DD9516E}" srcOrd="0" destOrd="0" presId="urn:microsoft.com/office/officeart/2005/8/layout/vList5"/>
+    <dgm:cxn modelId="{F7C24F75-361C-4EBE-8D58-80BC61772FBF}" srcId="{6AB260F1-4155-4A1E-B583-171862BEE883}" destId="{E7B3C492-7196-4060-8646-3F8694241075}" srcOrd="0" destOrd="0" parTransId="{F7F96F36-424A-4120-B721-2199C713A878}" sibTransId="{38129BC1-DE8C-467F-9F91-A553EF50DA24}"/>
+    <dgm:cxn modelId="{18C23C69-1FF6-4030-991E-02871BB87A13}" type="presOf" srcId="{FC208414-0AC3-42C4-9F44-053EB80ED807}" destId="{46DA5678-5DE9-47E1-9A8A-4E758AB665C3}" srcOrd="0" destOrd="0" presId="urn:microsoft.com/office/officeart/2005/8/layout/vList5"/>
+    <dgm:cxn modelId="{3AE85A6E-2BBE-4CCB-815E-F9E0F385E6F5}" srcId="{349A0DB4-33B4-4239-9963-F2A749984CF1}" destId="{046857EE-EA50-421D-B8D8-D293D32EBED8}" srcOrd="0" destOrd="0" parTransId="{B29E628F-09EF-40AB-A829-CEB77BEC19C9}" sibTransId="{70F9E659-2279-442A-8FB6-8395D804B93D}"/>
+    <dgm:cxn modelId="{08491748-24C0-4DE9-AA27-A049D2E0BC58}" srcId="{349A0DB4-33B4-4239-9963-F2A749984CF1}" destId="{80A0E114-9DFF-403C-81E2-3F0E4960D625}" srcOrd="7" destOrd="0" parTransId="{0CAA2D7D-D02B-4D5F-AE56-3C67F57F5D12}" sibTransId="{969C4BC4-4DE3-405C-AAE6-A8C4719C5D10}"/>
     <dgm:cxn modelId="{3B1BC695-8A6C-4A75-9E25-A12778EC28F0}" srcId="{196A86C3-55CF-449D-8DEB-BE18DF61482D}" destId="{FC208414-0AC3-42C4-9F44-053EB80ED807}" srcOrd="0" destOrd="0" parTransId="{1DF167C6-EC8B-49A0-BA2A-96A7DC59DBAF}" sibTransId="{D4B430AC-896C-4FF2-A6FD-32586AFB1509}"/>
-    <dgm:cxn modelId="{D3CC0942-AD09-4148-B70A-3C0D0E114B85}" srcId="{349A0DB4-33B4-4239-9963-F2A749984CF1}" destId="{6AB260F1-4155-4A1E-B583-171862BEE883}" srcOrd="1" destOrd="0" parTransId="{6D0F1FD7-6BB0-4078-96B1-357EB5FC202D}" sibTransId="{F565E595-3FD6-46E5-8844-C6D90B1A2D52}"/>
-    <dgm:cxn modelId="{84E5166E-C1C4-445B-95DE-E039B5AEBEFC}" type="presOf" srcId="{046857EE-EA50-421D-B8D8-D293D32EBED8}" destId="{79F3A793-6F1A-4E49-ACC9-E21A05CC0E46}" srcOrd="0" destOrd="0" presId="urn:microsoft.com/office/officeart/2005/8/layout/vList5"/>
-    <dgm:cxn modelId="{4D8E9132-4AE5-4CA1-BBCC-13771C08A7DF}" type="presOf" srcId="{0540B764-94CE-4DF7-9789-F6ED5DCE3594}" destId="{12B2B7B1-5662-478D-AF96-9807BA624C1F}" srcOrd="0" destOrd="0" presId="urn:microsoft.com/office/officeart/2005/8/layout/vList5"/>
-    <dgm:cxn modelId="{5A085BAE-B52A-44AC-87D3-476231877450}" srcId="{349A0DB4-33B4-4239-9963-F2A749984CF1}" destId="{0540B764-94CE-4DF7-9789-F6ED5DCE3594}" srcOrd="5" destOrd="0" parTransId="{A5FE700D-545B-44A0-8BCC-F6BC780B7ABD}" sibTransId="{03E540D4-2524-4EB5-838F-10BDAFD9D7DC}"/>
-    <dgm:cxn modelId="{F7C24F75-361C-4EBE-8D58-80BC61772FBF}" srcId="{6AB260F1-4155-4A1E-B583-171862BEE883}" destId="{E7B3C492-7196-4060-8646-3F8694241075}" srcOrd="0" destOrd="0" parTransId="{F7F96F36-424A-4120-B721-2199C713A878}" sibTransId="{38129BC1-DE8C-467F-9F91-A553EF50DA24}"/>
-    <dgm:cxn modelId="{F8814F72-7E86-4E3E-B6AD-D7BB04B9B3B7}" type="presOf" srcId="{1FEDA259-6357-4FE5-A546-6D3CC561ACA9}" destId="{92A26A56-0C0D-40DE-99C9-6CD997171D91}" srcOrd="0" destOrd="0" presId="urn:microsoft.com/office/officeart/2005/8/layout/vList5"/>
-    <dgm:cxn modelId="{334460C9-0E9C-40E0-A767-5AA7A6DDE62B}" srcId="{349A0DB4-33B4-4239-9963-F2A749984CF1}" destId="{B9DFA27D-0CF8-469E-A9AD-DE9120E517D7}" srcOrd="6" destOrd="0" parTransId="{7E318826-ED0A-4A7F-B86C-C13498480340}" sibTransId="{4536513D-D718-44EE-9825-761351FABC02}"/>
-    <dgm:cxn modelId="{2848DAC7-A149-428A-9170-1D94D5BCB980}" type="presOf" srcId="{7F692C8B-BAD2-40D6-A66C-A1FFED1CC2C5}" destId="{791C9751-AA78-4EFD-8F4E-E3751273769C}" srcOrd="0" destOrd="0" presId="urn:microsoft.com/office/officeart/2005/8/layout/vList5"/>
+    <dgm:cxn modelId="{DB3D4ABA-E137-4747-963B-BFB89A5571E3}" type="presOf" srcId="{6AB260F1-4155-4A1E-B583-171862BEE883}" destId="{5C449367-1CAC-4420-BEAA-FE205C84FFEB}" srcOrd="0" destOrd="0" presId="urn:microsoft.com/office/officeart/2005/8/layout/vList5"/>
+    <dgm:cxn modelId="{86318789-DF6E-4DD9-AE9A-A7255EB1F842}" srcId="{B9DFA27D-0CF8-469E-A9AD-DE9120E517D7}" destId="{7F692C8B-BAD2-40D6-A66C-A1FFED1CC2C5}" srcOrd="0" destOrd="0" parTransId="{D479E791-814C-48BD-BC2B-AF18EF3C71EE}" sibTransId="{2311A86C-3808-4562-9050-FD6A7A63545E}"/>
+    <dgm:cxn modelId="{190FA888-03FD-4C2A-982C-A7B63EFE6BA6}" type="presOf" srcId="{C503058F-4DF2-48DD-A61C-B73873AA8A3C}" destId="{119F3AF5-50D8-4CD1-BF61-009A25F18620}" srcOrd="0" destOrd="0" presId="urn:microsoft.com/office/officeart/2005/8/layout/vList5"/>
+    <dgm:cxn modelId="{FFB6CD07-FFEA-419F-AC37-1A191183877B}" srcId="{0540B764-94CE-4DF7-9789-F6ED5DCE3594}" destId="{1FEDA259-6357-4FE5-A546-6D3CC561ACA9}" srcOrd="0" destOrd="0" parTransId="{3A938D89-26F7-48C3-B6A1-01303B190FA7}" sibTransId="{D1B4D88B-7F07-4498-A667-759903538E6A}"/>
+    <dgm:cxn modelId="{5D56526D-8371-4FED-9C9D-92516647CB00}" type="presOf" srcId="{E7B3C492-7196-4060-8646-3F8694241075}" destId="{DC1D8D64-03A1-4CE3-AD7B-B785D7DCBAD9}" srcOrd="0" destOrd="0" presId="urn:microsoft.com/office/officeart/2005/8/layout/vList5"/>
+    <dgm:cxn modelId="{8DFC4CEC-A970-43E3-83E8-56568E842EC6}" type="presOf" srcId="{CA653B57-6EB2-467F-B944-BED6AF0FB0F9}" destId="{1FD47CF6-A73F-4957-BC59-BD3F2760740D}" srcOrd="0" destOrd="1" presId="urn:microsoft.com/office/officeart/2005/8/layout/vList5"/>
+    <dgm:cxn modelId="{CB14928F-2F0C-4058-92D6-CC5B09CEA14A}" type="presOf" srcId="{B9DFA27D-0CF8-469E-A9AD-DE9120E517D7}" destId="{1DEB945A-18ED-4BC7-AADC-6153E54828A4}" srcOrd="0" destOrd="0" presId="urn:microsoft.com/office/officeart/2005/8/layout/vList5"/>
+    <dgm:cxn modelId="{DEB61123-F537-4C6D-97DB-0ADC45304CD7}" type="presOf" srcId="{80A0E114-9DFF-403C-81E2-3F0E4960D625}" destId="{F4FBA015-194E-42DE-95FA-BA92E0777DE1}" srcOrd="0" destOrd="0" presId="urn:microsoft.com/office/officeart/2005/8/layout/vList5"/>
     <dgm:cxn modelId="{1188CF27-7270-4526-BC5C-376E9F66AB4E}" type="presOf" srcId="{F2D661BB-2080-4085-B2F4-01D77DDD6A9E}" destId="{6D6E7F05-936D-4550-8F6A-A44AB5FA2B2E}" srcOrd="0" destOrd="0" presId="urn:microsoft.com/office/officeart/2005/8/layout/vList5"/>
-    <dgm:cxn modelId="{08491748-24C0-4DE9-AA27-A049D2E0BC58}" srcId="{349A0DB4-33B4-4239-9963-F2A749984CF1}" destId="{80A0E114-9DFF-403C-81E2-3F0E4960D625}" srcOrd="7" destOrd="0" parTransId="{0CAA2D7D-D02B-4D5F-AE56-3C67F57F5D12}" sibTransId="{969C4BC4-4DE3-405C-AAE6-A8C4719C5D10}"/>
-    <dgm:cxn modelId="{579D09AD-B27A-4CBB-944E-42C7FA80EC5E}" srcId="{046857EE-EA50-421D-B8D8-D293D32EBED8}" destId="{CA653B57-6EB2-467F-B944-BED6AF0FB0F9}" srcOrd="1" destOrd="0" parTransId="{D2AE40B7-0482-40E2-86F6-0606E1436815}" sibTransId="{4BD10C31-8F09-4728-802A-52A7741622E4}"/>
-    <dgm:cxn modelId="{18C23C69-1FF6-4030-991E-02871BB87A13}" type="presOf" srcId="{FC208414-0AC3-42C4-9F44-053EB80ED807}" destId="{46DA5678-5DE9-47E1-9A8A-4E758AB665C3}" srcOrd="0" destOrd="0" presId="urn:microsoft.com/office/officeart/2005/8/layout/vList5"/>
-    <dgm:cxn modelId="{C64F5F48-E774-4ED2-8492-13BACE8EBD0A}" srcId="{349A0DB4-33B4-4239-9963-F2A749984CF1}" destId="{C503058F-4DF2-48DD-A61C-B73873AA8A3C}" srcOrd="4" destOrd="0" parTransId="{63DFB790-5ED4-46F3-9373-596E9D14E73B}" sibTransId="{0614A2A9-5406-4893-8C98-93701B6BB4F8}"/>
-    <dgm:cxn modelId="{82C3B383-A47F-4AB2-8B00-C288EF95DD30}" srcId="{046857EE-EA50-421D-B8D8-D293D32EBED8}" destId="{8A2B460C-D136-4807-AFEF-8C7FB482D362}" srcOrd="0" destOrd="0" parTransId="{D0A71D73-FB98-4A48-94F2-4E3C183747C6}" sibTransId="{0B8CFC41-0F89-43B9-9139-A21BED08968F}"/>
-    <dgm:cxn modelId="{190FA888-03FD-4C2A-982C-A7B63EFE6BA6}" type="presOf" srcId="{C503058F-4DF2-48DD-A61C-B73873AA8A3C}" destId="{119F3AF5-50D8-4CD1-BF61-009A25F18620}" srcOrd="0" destOrd="0" presId="urn:microsoft.com/office/officeart/2005/8/layout/vList5"/>
-    <dgm:cxn modelId="{00D1BA12-AB60-48D6-9B0A-FDE105E281F4}" srcId="{F2D661BB-2080-4085-B2F4-01D77DDD6A9E}" destId="{FC0B5751-CA4D-4918-83B8-D4FFBAFB9B12}" srcOrd="0" destOrd="0" parTransId="{A0CC7114-96F1-4A38-8134-58FC2518C168}" sibTransId="{3DED340E-0523-43A8-8DE0-5495DB890562}"/>
-    <dgm:cxn modelId="{12A9E8F4-FEDA-4390-A66B-C76047EA8761}" srcId="{C503058F-4DF2-48DD-A61C-B73873AA8A3C}" destId="{E4D98BA8-7ACF-420E-8EFF-4F364F941904}" srcOrd="0" destOrd="0" parTransId="{EC776C8F-CE89-4D7E-A7F1-F76E493C00EA}" sibTransId="{A8E4C195-F5C5-4135-9F5A-6B35561755A7}"/>
-    <dgm:cxn modelId="{5D56526D-8371-4FED-9C9D-92516647CB00}" type="presOf" srcId="{E7B3C492-7196-4060-8646-3F8694241075}" destId="{DC1D8D64-03A1-4CE3-AD7B-B785D7DCBAD9}" srcOrd="0" destOrd="0" presId="urn:microsoft.com/office/officeart/2005/8/layout/vList5"/>
-    <dgm:cxn modelId="{DEB61123-F537-4C6D-97DB-0ADC45304CD7}" type="presOf" srcId="{80A0E114-9DFF-403C-81E2-3F0E4960D625}" destId="{F4FBA015-194E-42DE-95FA-BA92E0777DE1}" srcOrd="0" destOrd="0" presId="urn:microsoft.com/office/officeart/2005/8/layout/vList5"/>
+    <dgm:cxn modelId="{D40FBC68-A985-4E1F-9F9B-2F56EC2460B8}" type="presOf" srcId="{D1592991-79D3-47A3-9813-8BE9CEDF2BFD}" destId="{DB237B8B-44DD-4303-815E-B7FDCF76580E}" srcOrd="0" destOrd="0" presId="urn:microsoft.com/office/officeart/2005/8/layout/vList5"/>
     <dgm:cxn modelId="{B45E15E0-22AD-4E1A-91DE-634B7B22DD69}" srcId="{F2D661BB-2080-4085-B2F4-01D77DDD6A9E}" destId="{CF2409F3-43D6-43B6-91E4-F5570E51710A}" srcOrd="1" destOrd="0" parTransId="{CF3C80BF-D202-4BF9-AE70-2C6B1973AFB7}" sibTransId="{157CA783-B858-4B60-8D01-AD3390BCC3FC}"/>
-    <dgm:cxn modelId="{A5EBF7FE-52D4-480B-A08B-6C4A7C4E813D}" type="presOf" srcId="{E4D98BA8-7ACF-420E-8EFF-4F364F941904}" destId="{4700B3A7-60F1-48F4-943F-974B024D79C2}" srcOrd="0" destOrd="0" presId="urn:microsoft.com/office/officeart/2005/8/layout/vList5"/>
-    <dgm:cxn modelId="{DB3D4ABA-E137-4747-963B-BFB89A5571E3}" type="presOf" srcId="{6AB260F1-4155-4A1E-B583-171862BEE883}" destId="{5C449367-1CAC-4420-BEAA-FE205C84FFEB}" srcOrd="0" destOrd="0" presId="urn:microsoft.com/office/officeart/2005/8/layout/vList5"/>
     <dgm:cxn modelId="{2C620812-DC33-450D-B98B-ADC8750FAD5C}" type="presParOf" srcId="{491E99C5-B65C-4C10-9B91-9A529B8FF8A1}" destId="{BAE1C10A-41E0-41FD-9352-D0D3C84178E8}" srcOrd="0" destOrd="0" presId="urn:microsoft.com/office/officeart/2005/8/layout/vList5"/>
     <dgm:cxn modelId="{032E1229-D6E7-4D2D-9DE8-2AC56EF07177}" type="presParOf" srcId="{BAE1C10A-41E0-41FD-9352-D0D3C84178E8}" destId="{79F3A793-6F1A-4E49-ACC9-E21A05CC0E46}" srcOrd="0" destOrd="0" presId="urn:microsoft.com/office/officeart/2005/8/layout/vList5"/>
     <dgm:cxn modelId="{5E28A304-C93F-41A2-9C32-0E4F6EA50F61}" type="presParOf" srcId="{BAE1C10A-41E0-41FD-9352-D0D3C84178E8}" destId="{1FD47CF6-A73F-4957-BC59-BD3F2760740D}" srcOrd="1" destOrd="0" presId="urn:microsoft.com/office/officeart/2005/8/layout/vList5"/>
@@ -8232,7 +8256,7 @@
   <dgm:whole/>
   <dgm:extLst>
     <a:ext uri="http://schemas.microsoft.com/office/drawing/2008/diagram">
-      <dsp:dataModelExt xmlns:dsp="http://schemas.microsoft.com/office/drawing/2008/diagram" relId="rId16" minVer="http://schemas.openxmlformats.org/drawingml/2006/diagram"/>
+      <dsp:dataModelExt xmlns:dsp="http://schemas.microsoft.com/office/drawing/2008/diagram" xmlns="" relId="rId16" minVer="http://schemas.openxmlformats.org/drawingml/2006/diagram"/>
     </a:ext>
   </dgm:extLst>
 </dgm:dataModel>
@@ -20894,7 +20918,7 @@
             <a:fld id="{1101F06C-EAC4-4131-A6FE-17CEDCC20651}" type="datetimeFigureOut">
               <a:rPr lang="en-US" smtClean="0"/>
               <a:pPr/>
-              <a:t>1/8/2018</a:t>
+              <a:t>3/28/2018</a:t>
             </a:fld>
             <a:endParaRPr lang="en-US"/>
           </a:p>
@@ -20970,7 +20994,7 @@
     </p:spTree>
     <p:extLst>
       <p:ext uri="{BB962C8B-B14F-4D97-AF65-F5344CB8AC3E}">
-        <p14:creationId xmlns:p14="http://schemas.microsoft.com/office/powerpoint/2010/main" val="1258104433"/>
+        <p14:creationId xmlns:p14="http://schemas.microsoft.com/office/powerpoint/2010/main" xmlns="" val="1258104433"/>
       </p:ext>
     </p:extLst>
   </p:cSld>
@@ -21062,7 +21086,7 @@
             <a:fld id="{4A724A45-DB09-41FA-94EA-B8001C7F3C36}" type="datetimeFigureOut">
               <a:rPr lang="en-US" smtClean="0"/>
               <a:pPr/>
-              <a:t>1/8/2018</a:t>
+              <a:t>3/28/2018</a:t>
             </a:fld>
             <a:endParaRPr lang="en-US"/>
           </a:p>
@@ -21233,7 +21257,7 @@
     </p:spTree>
     <p:extLst>
       <p:ext uri="{BB962C8B-B14F-4D97-AF65-F5344CB8AC3E}">
-        <p14:creationId xmlns:p14="http://schemas.microsoft.com/office/powerpoint/2010/main" val="2181398396"/>
+        <p14:creationId xmlns:p14="http://schemas.microsoft.com/office/powerpoint/2010/main" xmlns="" val="2181398396"/>
       </p:ext>
     </p:extLst>
   </p:cSld>
@@ -21409,7 +21433,7 @@
     </p:spTree>
     <p:extLst>
       <p:ext uri="{BB962C8B-B14F-4D97-AF65-F5344CB8AC3E}">
-        <p14:creationId xmlns:p14="http://schemas.microsoft.com/office/powerpoint/2010/main" val="824891217"/>
+        <p14:creationId xmlns:p14="http://schemas.microsoft.com/office/powerpoint/2010/main" xmlns="" val="824891217"/>
       </p:ext>
     </p:extLst>
   </p:cSld>
@@ -21494,7 +21518,7 @@
     </p:spTree>
     <p:extLst>
       <p:ext uri="{BB962C8B-B14F-4D97-AF65-F5344CB8AC3E}">
-        <p14:creationId xmlns:p14="http://schemas.microsoft.com/office/powerpoint/2010/main" val="2376691560"/>
+        <p14:creationId xmlns:p14="http://schemas.microsoft.com/office/powerpoint/2010/main" xmlns="" val="2376691560"/>
       </p:ext>
     </p:extLst>
   </p:cSld>
@@ -21686,7 +21710,7 @@
             <a:fld id="{D962895E-8DAA-4A18-8157-CB5669971D59}" type="datetime1">
               <a:rPr lang="en-US" smtClean="0"/>
               <a:pPr/>
-              <a:t>1/8/2018</a:t>
+              <a:t>3/28/2018</a:t>
             </a:fld>
             <a:endParaRPr lang="en-US"/>
           </a:p>
@@ -21853,7 +21877,7 @@
             <a:fld id="{8CD0AF49-9133-4DB7-8793-C394DAE8AD3F}" type="datetime1">
               <a:rPr lang="en-US" smtClean="0"/>
               <a:pPr/>
-              <a:t>1/8/2018</a:t>
+              <a:t>3/28/2018</a:t>
             </a:fld>
             <a:endParaRPr lang="en-US"/>
           </a:p>
@@ -22030,7 +22054,7 @@
             <a:fld id="{4ED34946-AB65-42BF-804F-C7C94A7179DB}" type="datetime1">
               <a:rPr lang="en-US" smtClean="0"/>
               <a:pPr/>
-              <a:t>1/8/2018</a:t>
+              <a:t>3/28/2018</a:t>
             </a:fld>
             <a:endParaRPr lang="en-US"/>
           </a:p>
@@ -22116,7 +22140,7 @@
           <a:blip r:embed="rId2" cstate="print">
             <a:extLst>
               <a:ext uri="{28A0092B-C50C-407E-A947-70E740481C1C}">
-                <a14:useLocalDpi xmlns:a14="http://schemas.microsoft.com/office/drawing/2010/main" val="0"/>
+                <a14:useLocalDpi xmlns:a14="http://schemas.microsoft.com/office/drawing/2010/main" xmlns="" val="0"/>
               </a:ext>
             </a:extLst>
           </a:blip>
@@ -22161,7 +22185,7 @@
           </a:ln>
           <a:extLst>
             <a:ext uri="{909E8E84-426E-40DD-AFC4-6F175D3DCCD1}">
-              <a14:hiddenFill xmlns:a14="http://schemas.microsoft.com/office/drawing/2010/main">
+              <a14:hiddenFill xmlns:a14="http://schemas.microsoft.com/office/drawing/2010/main" xmlns="">
                 <a:noFill/>
               </a14:hiddenFill>
             </a:ext>
@@ -22200,7 +22224,7 @@
           <a:blip r:embed="rId3">
             <a:extLst>
               <a:ext uri="{28A0092B-C50C-407E-A947-70E740481C1C}">
-                <a14:useLocalDpi xmlns:a14="http://schemas.microsoft.com/office/drawing/2010/main" val="0"/>
+                <a14:useLocalDpi xmlns:a14="http://schemas.microsoft.com/office/drawing/2010/main" xmlns="" val="0"/>
               </a:ext>
             </a:extLst>
           </a:blip>
@@ -22223,14 +22247,14 @@
           </a:ln>
           <a:extLst>
             <a:ext uri="{909E8E84-426E-40DD-AFC4-6F175D3DCCD1}">
-              <a14:hiddenFill xmlns:a14="http://schemas.microsoft.com/office/drawing/2010/main">
+              <a14:hiddenFill xmlns:a14="http://schemas.microsoft.com/office/drawing/2010/main" xmlns="">
                 <a:solidFill>
                   <a:srgbClr val="FFFFFF"/>
                 </a:solidFill>
               </a14:hiddenFill>
             </a:ext>
             <a:ext uri="{91240B29-F687-4F45-9708-019B960494DF}">
-              <a14:hiddenLine xmlns:a14="http://schemas.microsoft.com/office/drawing/2010/main" w="9525">
+              <a14:hiddenLine xmlns:a14="http://schemas.microsoft.com/office/drawing/2010/main" xmlns="" w="9525">
                 <a:solidFill>
                   <a:srgbClr val="000000"/>
                 </a:solidFill>
@@ -22254,7 +22278,7 @@
           <a:blip r:embed="rId4">
             <a:extLst>
               <a:ext uri="{28A0092B-C50C-407E-A947-70E740481C1C}">
-                <a14:useLocalDpi xmlns:a14="http://schemas.microsoft.com/office/drawing/2010/main" val="0"/>
+                <a14:useLocalDpi xmlns:a14="http://schemas.microsoft.com/office/drawing/2010/main" xmlns="" val="0"/>
               </a:ext>
             </a:extLst>
           </a:blip>
@@ -22277,14 +22301,14 @@
           </a:ln>
           <a:extLst>
             <a:ext uri="{909E8E84-426E-40DD-AFC4-6F175D3DCCD1}">
-              <a14:hiddenFill xmlns:a14="http://schemas.microsoft.com/office/drawing/2010/main">
+              <a14:hiddenFill xmlns:a14="http://schemas.microsoft.com/office/drawing/2010/main" xmlns="">
                 <a:solidFill>
                   <a:srgbClr val="FFFFFF"/>
                 </a:solidFill>
               </a14:hiddenFill>
             </a:ext>
             <a:ext uri="{91240B29-F687-4F45-9708-019B960494DF}">
-              <a14:hiddenLine xmlns:a14="http://schemas.microsoft.com/office/drawing/2010/main" w="9525">
+              <a14:hiddenLine xmlns:a14="http://schemas.microsoft.com/office/drawing/2010/main" xmlns="" w="9525">
                 <a:solidFill>
                   <a:srgbClr val="000000"/>
                 </a:solidFill>
@@ -22308,7 +22332,7 @@
           <a:blip r:embed="rId3">
             <a:extLst>
               <a:ext uri="{28A0092B-C50C-407E-A947-70E740481C1C}">
-                <a14:useLocalDpi xmlns:a14="http://schemas.microsoft.com/office/drawing/2010/main" val="0"/>
+                <a14:useLocalDpi xmlns:a14="http://schemas.microsoft.com/office/drawing/2010/main" xmlns="" val="0"/>
               </a:ext>
             </a:extLst>
           </a:blip>
@@ -22331,14 +22355,14 @@
           </a:ln>
           <a:extLst>
             <a:ext uri="{909E8E84-426E-40DD-AFC4-6F175D3DCCD1}">
-              <a14:hiddenFill xmlns:a14="http://schemas.microsoft.com/office/drawing/2010/main">
+              <a14:hiddenFill xmlns:a14="http://schemas.microsoft.com/office/drawing/2010/main" xmlns="">
                 <a:solidFill>
                   <a:srgbClr val="FFFFFF"/>
                 </a:solidFill>
               </a14:hiddenFill>
             </a:ext>
             <a:ext uri="{91240B29-F687-4F45-9708-019B960494DF}">
-              <a14:hiddenLine xmlns:a14="http://schemas.microsoft.com/office/drawing/2010/main" w="9525">
+              <a14:hiddenLine xmlns:a14="http://schemas.microsoft.com/office/drawing/2010/main" xmlns="" w="9525">
                 <a:solidFill>
                   <a:srgbClr val="000000"/>
                 </a:solidFill>
@@ -22362,7 +22386,7 @@
           <a:blip r:embed="rId4">
             <a:extLst>
               <a:ext uri="{28A0092B-C50C-407E-A947-70E740481C1C}">
-                <a14:useLocalDpi xmlns:a14="http://schemas.microsoft.com/office/drawing/2010/main" val="0"/>
+                <a14:useLocalDpi xmlns:a14="http://schemas.microsoft.com/office/drawing/2010/main" xmlns="" val="0"/>
               </a:ext>
             </a:extLst>
           </a:blip>
@@ -22385,14 +22409,14 @@
           </a:ln>
           <a:extLst>
             <a:ext uri="{909E8E84-426E-40DD-AFC4-6F175D3DCCD1}">
-              <a14:hiddenFill xmlns:a14="http://schemas.microsoft.com/office/drawing/2010/main">
+              <a14:hiddenFill xmlns:a14="http://schemas.microsoft.com/office/drawing/2010/main" xmlns="">
                 <a:solidFill>
                   <a:srgbClr val="FFFFFF"/>
                 </a:solidFill>
               </a14:hiddenFill>
             </a:ext>
             <a:ext uri="{91240B29-F687-4F45-9708-019B960494DF}">
-              <a14:hiddenLine xmlns:a14="http://schemas.microsoft.com/office/drawing/2010/main" w="9525">
+              <a14:hiddenLine xmlns:a14="http://schemas.microsoft.com/office/drawing/2010/main" xmlns="" w="9525">
                 <a:solidFill>
                   <a:srgbClr val="000000"/>
                 </a:solidFill>
@@ -22669,7 +22693,7 @@
     </p:spTree>
     <p:extLst>
       <p:ext uri="{BB962C8B-B14F-4D97-AF65-F5344CB8AC3E}">
-        <p14:creationId xmlns:p14="http://schemas.microsoft.com/office/powerpoint/2010/main" val="3301995238"/>
+        <p14:creationId xmlns:p14="http://schemas.microsoft.com/office/powerpoint/2010/main" xmlns="" val="3301995238"/>
       </p:ext>
     </p:extLst>
   </p:cSld>
@@ -22861,14 +22885,14 @@
           </a:ln>
           <a:extLst>
             <a:ext uri="{909E8E84-426E-40DD-AFC4-6F175D3DCCD1}">
-              <a14:hiddenFill xmlns:a14="http://schemas.microsoft.com/office/drawing/2010/main">
+              <a14:hiddenFill xmlns:a14="http://schemas.microsoft.com/office/drawing/2010/main" xmlns="">
                 <a:solidFill>
                   <a:srgbClr val="FFFFFF"/>
                 </a:solidFill>
               </a14:hiddenFill>
             </a:ext>
             <a:ext uri="{91240B29-F687-4F45-9708-019B960494DF}">
-              <a14:hiddenLine xmlns:a14="http://schemas.microsoft.com/office/drawing/2010/main" w="9525">
+              <a14:hiddenLine xmlns:a14="http://schemas.microsoft.com/office/drawing/2010/main" xmlns="" w="9525">
                 <a:solidFill>
                   <a:srgbClr val="000000"/>
                 </a:solidFill>
@@ -23030,7 +23054,7 @@
     </p:spTree>
     <p:extLst>
       <p:ext uri="{BB962C8B-B14F-4D97-AF65-F5344CB8AC3E}">
-        <p14:creationId xmlns:p14="http://schemas.microsoft.com/office/powerpoint/2010/main" val="1813179320"/>
+        <p14:creationId xmlns:p14="http://schemas.microsoft.com/office/powerpoint/2010/main" xmlns="" val="1813179320"/>
       </p:ext>
     </p:extLst>
   </p:cSld>
@@ -23082,14 +23106,14 @@
           </a:ln>
           <a:extLst>
             <a:ext uri="{909E8E84-426E-40DD-AFC4-6F175D3DCCD1}">
-              <a14:hiddenFill xmlns:a14="http://schemas.microsoft.com/office/drawing/2010/main">
+              <a14:hiddenFill xmlns:a14="http://schemas.microsoft.com/office/drawing/2010/main" xmlns="">
                 <a:solidFill>
                   <a:srgbClr val="FFFFFF"/>
                 </a:solidFill>
               </a14:hiddenFill>
             </a:ext>
             <a:ext uri="{91240B29-F687-4F45-9708-019B960494DF}">
-              <a14:hiddenLine xmlns:a14="http://schemas.microsoft.com/office/drawing/2010/main" w="9525">
+              <a14:hiddenLine xmlns:a14="http://schemas.microsoft.com/office/drawing/2010/main" xmlns="" w="9525">
                 <a:solidFill>
                   <a:srgbClr val="000000"/>
                 </a:solidFill>
@@ -23270,14 +23294,14 @@
           </a:ln>
           <a:extLst>
             <a:ext uri="{909E8E84-426E-40DD-AFC4-6F175D3DCCD1}">
-              <a14:hiddenFill xmlns:a14="http://schemas.microsoft.com/office/drawing/2010/main">
+              <a14:hiddenFill xmlns:a14="http://schemas.microsoft.com/office/drawing/2010/main" xmlns="">
                 <a:solidFill>
                   <a:srgbClr val="FFFFFF"/>
                 </a:solidFill>
               </a14:hiddenFill>
             </a:ext>
             <a:ext uri="{91240B29-F687-4F45-9708-019B960494DF}">
-              <a14:hiddenLine xmlns:a14="http://schemas.microsoft.com/office/drawing/2010/main" w="9525">
+              <a14:hiddenLine xmlns:a14="http://schemas.microsoft.com/office/drawing/2010/main" xmlns="" w="9525">
                 <a:solidFill>
                   <a:srgbClr val="000000"/>
                 </a:solidFill>
@@ -23559,7 +23583,7 @@
     </p:spTree>
     <p:extLst>
       <p:ext uri="{BB962C8B-B14F-4D97-AF65-F5344CB8AC3E}">
-        <p14:creationId xmlns:p14="http://schemas.microsoft.com/office/powerpoint/2010/main" val="63194241"/>
+        <p14:creationId xmlns:p14="http://schemas.microsoft.com/office/powerpoint/2010/main" xmlns="" val="63194241"/>
       </p:ext>
     </p:extLst>
   </p:cSld>
@@ -23611,14 +23635,14 @@
           </a:ln>
           <a:extLst>
             <a:ext uri="{909E8E84-426E-40DD-AFC4-6F175D3DCCD1}">
-              <a14:hiddenFill xmlns:a14="http://schemas.microsoft.com/office/drawing/2010/main">
+              <a14:hiddenFill xmlns:a14="http://schemas.microsoft.com/office/drawing/2010/main" xmlns="">
                 <a:solidFill>
                   <a:srgbClr val="FFFFFF"/>
                 </a:solidFill>
               </a14:hiddenFill>
             </a:ext>
             <a:ext uri="{91240B29-F687-4F45-9708-019B960494DF}">
-              <a14:hiddenLine xmlns:a14="http://schemas.microsoft.com/office/drawing/2010/main" w="9525">
+              <a14:hiddenLine xmlns:a14="http://schemas.microsoft.com/office/drawing/2010/main" xmlns="" w="9525">
                 <a:solidFill>
                   <a:srgbClr val="000000"/>
                 </a:solidFill>
@@ -23799,14 +23823,14 @@
           </a:ln>
           <a:extLst>
             <a:ext uri="{909E8E84-426E-40DD-AFC4-6F175D3DCCD1}">
-              <a14:hiddenFill xmlns:a14="http://schemas.microsoft.com/office/drawing/2010/main">
+              <a14:hiddenFill xmlns:a14="http://schemas.microsoft.com/office/drawing/2010/main" xmlns="">
                 <a:solidFill>
                   <a:srgbClr val="FFFFFF"/>
                 </a:solidFill>
               </a14:hiddenFill>
             </a:ext>
             <a:ext uri="{91240B29-F687-4F45-9708-019B960494DF}">
-              <a14:hiddenLine xmlns:a14="http://schemas.microsoft.com/office/drawing/2010/main" w="9525">
+              <a14:hiddenLine xmlns:a14="http://schemas.microsoft.com/office/drawing/2010/main" xmlns="" w="9525">
                 <a:solidFill>
                   <a:srgbClr val="000000"/>
                 </a:solidFill>
@@ -24121,7 +24145,7 @@
     </p:spTree>
     <p:extLst>
       <p:ext uri="{BB962C8B-B14F-4D97-AF65-F5344CB8AC3E}">
-        <p14:creationId xmlns:p14="http://schemas.microsoft.com/office/powerpoint/2010/main" val="2715261349"/>
+        <p14:creationId xmlns:p14="http://schemas.microsoft.com/office/powerpoint/2010/main" xmlns="" val="2715261349"/>
       </p:ext>
     </p:extLst>
   </p:cSld>
@@ -24370,14 +24394,14 @@
           </a:ln>
           <a:extLst>
             <a:ext uri="{909E8E84-426E-40DD-AFC4-6F175D3DCCD1}">
-              <a14:hiddenFill xmlns:a14="http://schemas.microsoft.com/office/drawing/2010/main">
+              <a14:hiddenFill xmlns:a14="http://schemas.microsoft.com/office/drawing/2010/main" xmlns="">
                 <a:solidFill>
                   <a:srgbClr val="FFFFFF"/>
                 </a:solidFill>
               </a14:hiddenFill>
             </a:ext>
             <a:ext uri="{91240B29-F687-4F45-9708-019B960494DF}">
-              <a14:hiddenLine xmlns:a14="http://schemas.microsoft.com/office/drawing/2010/main" w="9525">
+              <a14:hiddenLine xmlns:a14="http://schemas.microsoft.com/office/drawing/2010/main" xmlns="" w="9525">
                 <a:solidFill>
                   <a:srgbClr val="000000"/>
                 </a:solidFill>
@@ -24539,7 +24563,7 @@
     </p:spTree>
     <p:extLst>
       <p:ext uri="{BB962C8B-B14F-4D97-AF65-F5344CB8AC3E}">
-        <p14:creationId xmlns:p14="http://schemas.microsoft.com/office/powerpoint/2010/main" val="3330486198"/>
+        <p14:creationId xmlns:p14="http://schemas.microsoft.com/office/powerpoint/2010/main" xmlns="" val="3330486198"/>
       </p:ext>
     </p:extLst>
   </p:cSld>
@@ -24591,14 +24615,14 @@
           </a:ln>
           <a:extLst>
             <a:ext uri="{909E8E84-426E-40DD-AFC4-6F175D3DCCD1}">
-              <a14:hiddenFill xmlns:a14="http://schemas.microsoft.com/office/drawing/2010/main">
+              <a14:hiddenFill xmlns:a14="http://schemas.microsoft.com/office/drawing/2010/main" xmlns="">
                 <a:solidFill>
                   <a:srgbClr val="FFFFFF"/>
                 </a:solidFill>
               </a14:hiddenFill>
             </a:ext>
             <a:ext uri="{91240B29-F687-4F45-9708-019B960494DF}">
-              <a14:hiddenLine xmlns:a14="http://schemas.microsoft.com/office/drawing/2010/main" w="9525">
+              <a14:hiddenLine xmlns:a14="http://schemas.microsoft.com/office/drawing/2010/main" xmlns="" w="9525">
                 <a:solidFill>
                   <a:srgbClr val="000000"/>
                 </a:solidFill>
@@ -24779,14 +24803,14 @@
           </a:ln>
           <a:extLst>
             <a:ext uri="{909E8E84-426E-40DD-AFC4-6F175D3DCCD1}">
-              <a14:hiddenFill xmlns:a14="http://schemas.microsoft.com/office/drawing/2010/main">
+              <a14:hiddenFill xmlns:a14="http://schemas.microsoft.com/office/drawing/2010/main" xmlns="">
                 <a:solidFill>
                   <a:srgbClr val="FFFFFF"/>
                 </a:solidFill>
               </a14:hiddenFill>
             </a:ext>
             <a:ext uri="{91240B29-F687-4F45-9708-019B960494DF}">
-              <a14:hiddenLine xmlns:a14="http://schemas.microsoft.com/office/drawing/2010/main" w="9525">
+              <a14:hiddenLine xmlns:a14="http://schemas.microsoft.com/office/drawing/2010/main" xmlns="" w="9525">
                 <a:solidFill>
                   <a:srgbClr val="000000"/>
                 </a:solidFill>
@@ -25275,7 +25299,7 @@
     </p:spTree>
     <p:extLst>
       <p:ext uri="{BB962C8B-B14F-4D97-AF65-F5344CB8AC3E}">
-        <p14:creationId xmlns:p14="http://schemas.microsoft.com/office/powerpoint/2010/main" val="3465957744"/>
+        <p14:creationId xmlns:p14="http://schemas.microsoft.com/office/powerpoint/2010/main" xmlns="" val="3465957744"/>
       </p:ext>
     </p:extLst>
   </p:cSld>
@@ -25327,14 +25351,14 @@
           </a:ln>
           <a:extLst>
             <a:ext uri="{909E8E84-426E-40DD-AFC4-6F175D3DCCD1}">
-              <a14:hiddenFill xmlns:a14="http://schemas.microsoft.com/office/drawing/2010/main">
+              <a14:hiddenFill xmlns:a14="http://schemas.microsoft.com/office/drawing/2010/main" xmlns="">
                 <a:solidFill>
                   <a:srgbClr val="FFFFFF"/>
                 </a:solidFill>
               </a14:hiddenFill>
             </a:ext>
             <a:ext uri="{91240B29-F687-4F45-9708-019B960494DF}">
-              <a14:hiddenLine xmlns:a14="http://schemas.microsoft.com/office/drawing/2010/main" w="9525">
+              <a14:hiddenLine xmlns:a14="http://schemas.microsoft.com/office/drawing/2010/main" xmlns="" w="9525">
                 <a:solidFill>
                   <a:srgbClr val="000000"/>
                 </a:solidFill>
@@ -25523,7 +25547,7 @@
     </p:spTree>
     <p:extLst>
       <p:ext uri="{BB962C8B-B14F-4D97-AF65-F5344CB8AC3E}">
-        <p14:creationId xmlns:p14="http://schemas.microsoft.com/office/powerpoint/2010/main" val="4094041686"/>
+        <p14:creationId xmlns:p14="http://schemas.microsoft.com/office/powerpoint/2010/main" xmlns="" val="4094041686"/>
       </p:ext>
     </p:extLst>
   </p:cSld>
@@ -25575,14 +25599,14 @@
           </a:ln>
           <a:extLst>
             <a:ext uri="{909E8E84-426E-40DD-AFC4-6F175D3DCCD1}">
-              <a14:hiddenFill xmlns:a14="http://schemas.microsoft.com/office/drawing/2010/main">
+              <a14:hiddenFill xmlns:a14="http://schemas.microsoft.com/office/drawing/2010/main" xmlns="">
                 <a:solidFill>
                   <a:srgbClr val="FFFFFF"/>
                 </a:solidFill>
               </a14:hiddenFill>
             </a:ext>
             <a:ext uri="{91240B29-F687-4F45-9708-019B960494DF}">
-              <a14:hiddenLine xmlns:a14="http://schemas.microsoft.com/office/drawing/2010/main" w="9525">
+              <a14:hiddenLine xmlns:a14="http://schemas.microsoft.com/office/drawing/2010/main" xmlns="" w="9525">
                 <a:solidFill>
                   <a:srgbClr val="000000"/>
                 </a:solidFill>
@@ -25763,14 +25787,14 @@
           </a:ln>
           <a:extLst>
             <a:ext uri="{909E8E84-426E-40DD-AFC4-6F175D3DCCD1}">
-              <a14:hiddenFill xmlns:a14="http://schemas.microsoft.com/office/drawing/2010/main">
+              <a14:hiddenFill xmlns:a14="http://schemas.microsoft.com/office/drawing/2010/main" xmlns="">
                 <a:solidFill>
                   <a:srgbClr val="FFFFFF"/>
                 </a:solidFill>
               </a14:hiddenFill>
             </a:ext>
             <a:ext uri="{91240B29-F687-4F45-9708-019B960494DF}">
-              <a14:hiddenLine xmlns:a14="http://schemas.microsoft.com/office/drawing/2010/main" w="9525">
+              <a14:hiddenLine xmlns:a14="http://schemas.microsoft.com/office/drawing/2010/main" xmlns="" w="9525">
                 <a:solidFill>
                   <a:srgbClr val="000000"/>
                 </a:solidFill>
@@ -25932,7 +25956,7 @@
     </p:spTree>
     <p:extLst>
       <p:ext uri="{BB962C8B-B14F-4D97-AF65-F5344CB8AC3E}">
-        <p14:creationId xmlns:p14="http://schemas.microsoft.com/office/powerpoint/2010/main" val="982057992"/>
+        <p14:creationId xmlns:p14="http://schemas.microsoft.com/office/powerpoint/2010/main" xmlns="" val="982057992"/>
       </p:ext>
     </p:extLst>
   </p:cSld>
@@ -26055,7 +26079,7 @@
             <a:fld id="{4E4CA4AC-7F92-45C2-BB75-3EBFF233EE59}" type="datetime1">
               <a:rPr lang="en-US" smtClean="0"/>
               <a:pPr/>
-              <a:t>1/8/2018</a:t>
+              <a:t>3/28/2018</a:t>
             </a:fld>
             <a:endParaRPr lang="en-US"/>
           </a:p>
@@ -26229,7 +26253,7 @@
     </p:spTree>
     <p:extLst>
       <p:ext uri="{BB962C8B-B14F-4D97-AF65-F5344CB8AC3E}">
-        <p14:creationId xmlns:p14="http://schemas.microsoft.com/office/powerpoint/2010/main" val="4141984023"/>
+        <p14:creationId xmlns:p14="http://schemas.microsoft.com/office/powerpoint/2010/main" xmlns="" val="4141984023"/>
       </p:ext>
     </p:extLst>
   </p:cSld>
@@ -26428,7 +26452,7 @@
             <a:fld id="{8364E16F-F769-45F4-A5DB-3DE97CD17C06}" type="datetime1">
               <a:rPr lang="en-US" smtClean="0"/>
               <a:pPr/>
-              <a:t>1/8/2018</a:t>
+              <a:t>3/28/2018</a:t>
             </a:fld>
             <a:endParaRPr lang="en-US"/>
           </a:p>
@@ -26713,7 +26737,7 @@
             <a:fld id="{9220D2A8-D5CD-4D5E-9CBB-E4F5BDEC0214}" type="datetime1">
               <a:rPr lang="en-US" smtClean="0"/>
               <a:pPr/>
-              <a:t>1/8/2018</a:t>
+              <a:t>3/28/2018</a:t>
             </a:fld>
             <a:endParaRPr lang="en-US"/>
           </a:p>
@@ -27132,7 +27156,7 @@
             <a:fld id="{7B9EA829-6A5A-4F9F-93C6-D124C22EC889}" type="datetime1">
               <a:rPr lang="en-US" smtClean="0"/>
               <a:pPr/>
-              <a:t>1/8/2018</a:t>
+              <a:t>3/28/2018</a:t>
             </a:fld>
             <a:endParaRPr lang="en-US"/>
           </a:p>
@@ -27247,7 +27271,7 @@
             <a:fld id="{F07088DC-60FB-41F2-A0BB-39FD819EDD94}" type="datetime1">
               <a:rPr lang="en-US" smtClean="0"/>
               <a:pPr/>
-              <a:t>1/8/2018</a:t>
+              <a:t>3/28/2018</a:t>
             </a:fld>
             <a:endParaRPr lang="en-US"/>
           </a:p>
@@ -27339,7 +27363,7 @@
             <a:fld id="{A56B7751-9CC4-4691-9C13-B6125BF662B8}" type="datetime1">
               <a:rPr lang="en-US" smtClean="0"/>
               <a:pPr/>
-              <a:t>1/8/2018</a:t>
+              <a:t>3/28/2018</a:t>
             </a:fld>
             <a:endParaRPr lang="en-US"/>
           </a:p>
@@ -27613,7 +27637,7 @@
             <a:fld id="{A797BB4E-754D-45F9-A43F-4878FA142397}" type="datetime1">
               <a:rPr lang="en-US" smtClean="0"/>
               <a:pPr/>
-              <a:t>1/8/2018</a:t>
+              <a:t>3/28/2018</a:t>
             </a:fld>
             <a:endParaRPr lang="en-US"/>
           </a:p>
@@ -27863,7 +27887,7 @@
             <a:fld id="{1E5E7918-70F2-4ADC-AE29-88126140AEC5}" type="datetime1">
               <a:rPr lang="en-US" smtClean="0"/>
               <a:pPr/>
-              <a:t>1/8/2018</a:t>
+              <a:t>3/28/2018</a:t>
             </a:fld>
             <a:endParaRPr lang="en-US"/>
           </a:p>
@@ -28073,7 +28097,7 @@
             <a:fld id="{2EB2A100-E661-4B56-9D9D-38F2193CF8CD}" type="datetime1">
               <a:rPr lang="en-US" smtClean="0"/>
               <a:pPr/>
-              <a:t>1/8/2018</a:t>
+              <a:t>3/28/2018</a:t>
             </a:fld>
             <a:endParaRPr lang="en-US"/>
           </a:p>
@@ -28477,14 +28501,14 @@
           </a:ln>
           <a:extLst>
             <a:ext uri="{909E8E84-426E-40DD-AFC4-6F175D3DCCD1}">
-              <a14:hiddenFill xmlns:a14="http://schemas.microsoft.com/office/drawing/2010/main">
+              <a14:hiddenFill xmlns:a14="http://schemas.microsoft.com/office/drawing/2010/main" xmlns="">
                 <a:solidFill>
                   <a:srgbClr val="FFFFFF"/>
                 </a:solidFill>
               </a14:hiddenFill>
             </a:ext>
             <a:ext uri="{91240B29-F687-4F45-9708-019B960494DF}">
-              <a14:hiddenLine xmlns:a14="http://schemas.microsoft.com/office/drawing/2010/main" w="9525">
+              <a14:hiddenLine xmlns:a14="http://schemas.microsoft.com/office/drawing/2010/main" xmlns="" w="9525">
                 <a:solidFill>
                   <a:srgbClr val="000000"/>
                 </a:solidFill>
@@ -28535,14 +28559,14 @@
           </a:ln>
           <a:extLst>
             <a:ext uri="{909E8E84-426E-40DD-AFC4-6F175D3DCCD1}">
-              <a14:hiddenFill xmlns:a14="http://schemas.microsoft.com/office/drawing/2010/main">
+              <a14:hiddenFill xmlns:a14="http://schemas.microsoft.com/office/drawing/2010/main" xmlns="">
                 <a:solidFill>
                   <a:srgbClr val="FFFFFF"/>
                 </a:solidFill>
               </a14:hiddenFill>
             </a:ext>
             <a:ext uri="{91240B29-F687-4F45-9708-019B960494DF}">
-              <a14:hiddenLine xmlns:a14="http://schemas.microsoft.com/office/drawing/2010/main" w="9525">
+              <a14:hiddenLine xmlns:a14="http://schemas.microsoft.com/office/drawing/2010/main" xmlns="" w="9525">
                 <a:solidFill>
                   <a:srgbClr val="000000"/>
                 </a:solidFill>
@@ -28600,7 +28624,7 @@
     </p:spTree>
     <p:extLst>
       <p:ext uri="{BB962C8B-B14F-4D97-AF65-F5344CB8AC3E}">
-        <p14:creationId xmlns:p14="http://schemas.microsoft.com/office/powerpoint/2010/main" val="2356570800"/>
+        <p14:creationId xmlns:p14="http://schemas.microsoft.com/office/powerpoint/2010/main" xmlns="" val="2356570800"/>
       </p:ext>
     </p:extLst>
   </p:cSld>
@@ -29082,14 +29106,14 @@
           </a:ln>
           <a:extLst>
             <a:ext uri="{909E8E84-426E-40DD-AFC4-6F175D3DCCD1}">
-              <a14:hiddenFill xmlns:a14="http://schemas.microsoft.com/office/drawing/2010/main">
+              <a14:hiddenFill xmlns:a14="http://schemas.microsoft.com/office/drawing/2010/main" xmlns="">
                 <a:solidFill>
                   <a:srgbClr val="FFFFFF"/>
                 </a:solidFill>
               </a14:hiddenFill>
             </a:ext>
             <a:ext uri="{91240B29-F687-4F45-9708-019B960494DF}">
-              <a14:hiddenLine xmlns:a14="http://schemas.microsoft.com/office/drawing/2010/main" w="9525">
+              <a14:hiddenLine xmlns:a14="http://schemas.microsoft.com/office/drawing/2010/main" xmlns="" w="9525">
                 <a:solidFill>
                   <a:srgbClr val="000000"/>
                 </a:solidFill>
@@ -29317,7 +29341,7 @@
     </p:spTree>
     <p:extLst>
       <p:ext uri="{BB962C8B-B14F-4D97-AF65-F5344CB8AC3E}">
-        <p14:creationId xmlns:p14="http://schemas.microsoft.com/office/powerpoint/2010/main" val="1032530273"/>
+        <p14:creationId xmlns:p14="http://schemas.microsoft.com/office/powerpoint/2010/main" xmlns="" val="1032530273"/>
       </p:ext>
     </p:extLst>
   </p:cSld>
@@ -29416,7 +29440,7 @@
             <a:fld id="{F43B1607-691C-45B5-AF95-DB2C7AF77555}" type="datetime1">
               <a:rPr lang="en-US" sz="1000" b="1" smtClean="0"/>
               <a:pPr/>
-              <a:t>1/8/2018</a:t>
+              <a:t>3/28/2018</a:t>
             </a:fld>
             <a:endParaRPr lang="en-US" sz="1000" b="1" dirty="0"/>
           </a:p>
@@ -29460,14 +29484,14 @@
           <p:nvPr>
             <p:extLst>
               <p:ext uri="{D42A27DB-BD31-4B8C-83A1-F6EECF244321}">
-                <p14:modId xmlns:p14="http://schemas.microsoft.com/office/powerpoint/2010/main" val="2536439902"/>
+                <p14:modId xmlns:p14="http://schemas.microsoft.com/office/powerpoint/2010/main" xmlns="" val="2536439902"/>
               </p:ext>
             </p:extLst>
           </p:nvPr>
         </p:nvGraphicFramePr>
         <p:xfrm>
           <a:off x="304798" y="920750"/>
-          <a:ext cx="8677276" cy="5516880"/>
+          <a:ext cx="8677276" cy="5349240"/>
         </p:xfrm>
         <a:graphic>
           <a:graphicData uri="http://schemas.openxmlformats.org/drawingml/2006/table">
@@ -30086,8 +30110,45 @@
                             <a:srgbClr val="002060"/>
                           </a:solidFill>
                         </a:rPr>
-                        <a:t>Service Dockerization</a:t>
+                        <a:t>Containers (</a:t>
                       </a:r>
+                      <a:r>
+                        <a:rPr lang="en-US" sz="1100" b="1" dirty="0" err="1" smtClean="0">
+                          <a:solidFill>
+                            <a:srgbClr val="002060"/>
+                          </a:solidFill>
+                        </a:rPr>
+                        <a:t>Docker</a:t>
+                      </a:r>
+                      <a:r>
+                        <a:rPr lang="en-US" sz="1100" b="1" dirty="0" smtClean="0">
+                          <a:solidFill>
+                            <a:srgbClr val="002060"/>
+                          </a:solidFill>
+                        </a:rPr>
+                        <a:t> / </a:t>
+                      </a:r>
+                      <a:r>
+                        <a:rPr lang="en-US" sz="1100" b="1" dirty="0" err="1" smtClean="0">
+                          <a:solidFill>
+                            <a:srgbClr val="002060"/>
+                          </a:solidFill>
+                        </a:rPr>
+                        <a:t>rkt</a:t>
+                      </a:r>
+                      <a:r>
+                        <a:rPr lang="en-US" sz="1100" b="1" dirty="0" smtClean="0">
+                          <a:solidFill>
+                            <a:srgbClr val="002060"/>
+                          </a:solidFill>
+                        </a:rPr>
+                        <a:t>) &amp; Virtual Machines</a:t>
+                      </a:r>
+                      <a:endParaRPr lang="en-US" sz="1100" b="1" dirty="0" smtClean="0">
+                        <a:solidFill>
+                          <a:srgbClr val="002060"/>
+                        </a:solidFill>
+                      </a:endParaRPr>
                     </a:p>
                     <a:p>
                       <a:pPr marL="285750" indent="-285750">
@@ -30112,29 +30173,21 @@
                         <a:buChar char="•"/>
                       </a:pPr>
                       <a:r>
-                        <a:rPr lang="en-US" sz="1100" b="1" dirty="0" smtClean="0">
+                        <a:rPr lang="en-US" sz="1100" b="1" dirty="0" err="1" smtClean="0">
                           <a:solidFill>
                             <a:srgbClr val="002060"/>
                           </a:solidFill>
                         </a:rPr>
-                        <a:t>Integrate with </a:t>
+                        <a:t>DevOps</a:t>
                       </a:r>
                       <a:r>
-                        <a:rPr lang="en-US" sz="1100" b="1" smtClean="0">
+                        <a:rPr lang="en-US" sz="1100" b="1" baseline="0" dirty="0" smtClean="0">
                           <a:solidFill>
                             <a:srgbClr val="002060"/>
                           </a:solidFill>
                         </a:rPr>
-                        <a:t>DevOps CI/CD pipeline</a:t>
+                        <a:t> CI/CD Pipeline for Containers and Virtual Machines</a:t>
                       </a:r>
-                      <a:endParaRPr lang="en-US" sz="1100" b="1" dirty="0" smtClean="0">
-                        <a:solidFill>
-                          <a:srgbClr val="002060"/>
-                        </a:solidFill>
-                      </a:endParaRPr>
-                    </a:p>
-                    <a:p>
-                      <a:pPr algn="ctr"/>
                       <a:endParaRPr lang="en-US" sz="1100" dirty="0" smtClean="0">
                         <a:latin typeface="Georgia" panose="02040502050405020303" pitchFamily="18" charset="0"/>
                         <a:cs typeface="Arial" panose="020B0604020202020204" pitchFamily="34" charset="0"/>
@@ -30399,7 +30452,7 @@
     </p:spTree>
     <p:extLst>
       <p:ext uri="{BB962C8B-B14F-4D97-AF65-F5344CB8AC3E}">
-        <p14:creationId xmlns:p14="http://schemas.microsoft.com/office/powerpoint/2010/main" val="3306247581"/>
+        <p14:creationId xmlns:p14="http://schemas.microsoft.com/office/powerpoint/2010/main" xmlns="" val="3306247581"/>
       </p:ext>
     </p:extLst>
   </p:cSld>
@@ -30456,7 +30509,7 @@
             <a:fld id="{F43B1607-691C-45B5-AF95-DB2C7AF77555}" type="datetime1">
               <a:rPr lang="en-US" sz="1000" b="1" smtClean="0"/>
               <a:pPr/>
-              <a:t>1/8/2018</a:t>
+              <a:t>3/28/2018</a:t>
             </a:fld>
             <a:endParaRPr lang="en-US" sz="1000" b="1" dirty="0"/>
           </a:p>
@@ -30648,7 +30701,7 @@
             <a:fld id="{F43B1607-691C-45B5-AF95-DB2C7AF77555}" type="datetime1">
               <a:rPr lang="en-US" sz="1000" b="1" smtClean="0"/>
               <a:pPr/>
-              <a:t>1/8/2018</a:t>
+              <a:t>3/28/2018</a:t>
             </a:fld>
             <a:endParaRPr lang="en-US" sz="1000" b="1" dirty="0"/>
           </a:p>
@@ -30719,7 +30772,7 @@
           <p:nvPr>
             <p:extLst>
               <p:ext uri="{D42A27DB-BD31-4B8C-83A1-F6EECF244321}">
-                <p14:modId xmlns:p14="http://schemas.microsoft.com/office/powerpoint/2010/main" val="3730961267"/>
+                <p14:modId xmlns:p14="http://schemas.microsoft.com/office/powerpoint/2010/main" xmlns="" val="3730961267"/>
               </p:ext>
             </p:extLst>
           </p:nvPr>
@@ -31934,7 +31987,7 @@
             <a:fld id="{F43B1607-691C-45B5-AF95-DB2C7AF77555}" type="datetime1">
               <a:rPr lang="en-US" sz="1000" b="1" smtClean="0"/>
               <a:pPr/>
-              <a:t>1/8/2018</a:t>
+              <a:t>3/28/2018</a:t>
             </a:fld>
             <a:endParaRPr lang="en-US" sz="1000" b="1" dirty="0"/>
           </a:p>
@@ -32003,7 +32056,7 @@
           <p:nvPr>
             <p:extLst>
               <p:ext uri="{D42A27DB-BD31-4B8C-83A1-F6EECF244321}">
-                <p14:modId xmlns:p14="http://schemas.microsoft.com/office/powerpoint/2010/main" val="1919177489"/>
+                <p14:modId xmlns:p14="http://schemas.microsoft.com/office/powerpoint/2010/main" xmlns="" val="1919177489"/>
               </p:ext>
             </p:extLst>
           </p:nvPr>
@@ -32021,7 +32074,7 @@
     </p:spTree>
     <p:extLst>
       <p:ext uri="{BB962C8B-B14F-4D97-AF65-F5344CB8AC3E}">
-        <p14:creationId xmlns:p14="http://schemas.microsoft.com/office/powerpoint/2010/main" val="1250226216"/>
+        <p14:creationId xmlns:p14="http://schemas.microsoft.com/office/powerpoint/2010/main" xmlns="" val="1250226216"/>
       </p:ext>
     </p:extLst>
   </p:cSld>
@@ -32425,7 +32478,7 @@
             <a:fld id="{F43B1607-691C-45B5-AF95-DB2C7AF77555}" type="datetime1">
               <a:rPr lang="en-US" sz="1000" b="1" smtClean="0"/>
               <a:pPr/>
-              <a:t>1/8/2018</a:t>
+              <a:t>3/28/2018</a:t>
             </a:fld>
             <a:endParaRPr lang="en-US" sz="1000" b="1" dirty="0"/>
           </a:p>
@@ -32494,7 +32547,7 @@
           <p:nvPr>
             <p:extLst>
               <p:ext uri="{D42A27DB-BD31-4B8C-83A1-F6EECF244321}">
-                <p14:modId xmlns:p14="http://schemas.microsoft.com/office/powerpoint/2010/main" val="2433659313"/>
+                <p14:modId xmlns:p14="http://schemas.microsoft.com/office/powerpoint/2010/main" xmlns="" val="2433659313"/>
               </p:ext>
             </p:extLst>
           </p:nvPr>
@@ -33806,8 +33859,27 @@
                   </a:schemeClr>
                 </a:solidFill>
               </a:rPr>
-              <a:t>load (economically)</a:t>
+              <a:t>load </a:t>
             </a:r>
+            <a:r>
+              <a:rPr lang="en-US" sz="1100" b="1" dirty="0" smtClean="0">
+                <a:solidFill>
+                  <a:schemeClr val="tx1">
+                    <a:lumMod val="65000"/>
+                    <a:lumOff val="35000"/>
+                  </a:schemeClr>
+                </a:solidFill>
+              </a:rPr>
+              <a:t>(Optimally)</a:t>
+            </a:r>
+            <a:endParaRPr lang="en-US" sz="1100" b="1" dirty="0">
+              <a:solidFill>
+                <a:schemeClr val="tx1">
+                  <a:lumMod val="65000"/>
+                  <a:lumOff val="35000"/>
+                </a:schemeClr>
+              </a:solidFill>
+            </a:endParaRPr>
           </a:p>
           <a:p>
             <a:pPr marL="171450" indent="-171450">
@@ -33876,6 +33948,17 @@
               <a:buChar char="•"/>
             </a:pPr>
             <a:r>
+              <a:rPr lang="en-US" sz="1100" b="1" dirty="0" smtClean="0">
+                <a:solidFill>
+                  <a:schemeClr val="tx1">
+                    <a:lumMod val="65000"/>
+                    <a:lumOff val="35000"/>
+                  </a:schemeClr>
+                </a:solidFill>
+              </a:rPr>
+              <a:t>Handling </a:t>
+            </a:r>
+            <a:r>
               <a:rPr lang="en-US" sz="1100" b="1" dirty="0">
                 <a:solidFill>
                   <a:schemeClr val="tx1">
@@ -33884,7 +33967,7 @@
                   </a:schemeClr>
                 </a:solidFill>
               </a:rPr>
-              <a:t>Unable to handle un-predictable </a:t>
+              <a:t>un-predictable </a:t>
             </a:r>
             <a:r>
               <a:rPr lang="en-US" sz="1100" b="1" dirty="0" smtClean="0">
@@ -33922,7 +34005,51 @@
                   </a:schemeClr>
                 </a:solidFill>
               </a:rPr>
-              <a:t>(Can be solved by making as a cloud-native services)</a:t>
+              <a:t>(</a:t>
+            </a:r>
+            <a:r>
+              <a:rPr lang="en-US" sz="1100" b="1" dirty="0" smtClean="0">
+                <a:solidFill>
+                  <a:schemeClr val="tx1">
+                    <a:lumMod val="65000"/>
+                    <a:lumOff val="35000"/>
+                  </a:schemeClr>
+                </a:solidFill>
+              </a:rPr>
+              <a:t>B</a:t>
+            </a:r>
+            <a:r>
+              <a:rPr lang="en-US" sz="1100" b="1" dirty="0" smtClean="0">
+                <a:solidFill>
+                  <a:schemeClr val="tx1">
+                    <a:lumMod val="65000"/>
+                    <a:lumOff val="35000"/>
+                  </a:schemeClr>
+                </a:solidFill>
+              </a:rPr>
+              <a:t>y </a:t>
+            </a:r>
+            <a:r>
+              <a:rPr lang="en-US" sz="1100" b="1" dirty="0" smtClean="0">
+                <a:solidFill>
+                  <a:schemeClr val="tx1">
+                    <a:lumMod val="65000"/>
+                    <a:lumOff val="35000"/>
+                  </a:schemeClr>
+                </a:solidFill>
+              </a:rPr>
+              <a:t>making as a </a:t>
+            </a:r>
+            <a:r>
+              <a:rPr lang="en-US" sz="1100" b="1" dirty="0" smtClean="0">
+                <a:solidFill>
+                  <a:schemeClr val="tx1">
+                    <a:lumMod val="65000"/>
+                    <a:lumOff val="35000"/>
+                  </a:schemeClr>
+                </a:solidFill>
+              </a:rPr>
+              <a:t>Cloud-Native)</a:t>
             </a:r>
             <a:endParaRPr lang="en-US" sz="1100" b="1" dirty="0">
               <a:solidFill>
@@ -34428,7 +34555,7 @@
     </p:spTree>
     <p:extLst>
       <p:ext uri="{BB962C8B-B14F-4D97-AF65-F5344CB8AC3E}">
-        <p14:creationId xmlns:p14="http://schemas.microsoft.com/office/powerpoint/2010/main" val="2665608320"/>
+        <p14:creationId xmlns:p14="http://schemas.microsoft.com/office/powerpoint/2010/main" xmlns="" val="2665608320"/>
       </p:ext>
     </p:extLst>
   </p:cSld>
@@ -34691,7 +34818,7 @@
             <p:ph idx="1"/>
             <p:extLst>
               <p:ext uri="{D42A27DB-BD31-4B8C-83A1-F6EECF244321}">
-                <p14:modId xmlns:p14="http://schemas.microsoft.com/office/powerpoint/2010/main" val="1093963590"/>
+                <p14:modId xmlns:p14="http://schemas.microsoft.com/office/powerpoint/2010/main" xmlns="" val="1093963590"/>
               </p:ext>
             </p:extLst>
           </p:nvPr>
@@ -34729,7 +34856,7 @@
             <a:fld id="{F43B1607-691C-45B5-AF95-DB2C7AF77555}" type="datetime1">
               <a:rPr lang="en-US" sz="1000" b="1" smtClean="0"/>
               <a:pPr/>
-              <a:t>1/8/2018</a:t>
+              <a:t>3/28/2018</a:t>
             </a:fld>
             <a:endParaRPr lang="en-US" sz="1000" b="1" dirty="0"/>
           </a:p>
@@ -34848,7 +34975,7 @@
           <a:noFill/>
           <a:extLst>
             <a:ext uri="{909E8E84-426E-40DD-AFC4-6F175D3DCCD1}">
-              <a14:hiddenFill xmlns:a14="http://schemas.microsoft.com/office/drawing/2010/main">
+              <a14:hiddenFill xmlns:a14="http://schemas.microsoft.com/office/drawing/2010/main" xmlns="">
                 <a:solidFill>
                   <a:srgbClr val="FFFFFF"/>
                 </a:solidFill>
@@ -34887,7 +35014,7 @@
           <a:noFill/>
           <a:extLst>
             <a:ext uri="{909E8E84-426E-40DD-AFC4-6F175D3DCCD1}">
-              <a14:hiddenFill xmlns:a14="http://schemas.microsoft.com/office/drawing/2010/main">
+              <a14:hiddenFill xmlns:a14="http://schemas.microsoft.com/office/drawing/2010/main" xmlns="">
                 <a:solidFill>
                   <a:srgbClr val="FFFFFF"/>
                 </a:solidFill>
@@ -35720,10 +35847,10 @@
           <p:nvPr/>
         </p:nvPicPr>
         <p:blipFill>
-          <a:blip r:embed="rId7" cstate="print">
+          <a:blip r:embed="rId6" cstate="print">
             <a:extLst>
               <a:ext uri="{BEBA8EAE-BF5A-486C-A8C5-ECC9F3942E4B}">
-                <a14:imgProps xmlns:a14="http://schemas.microsoft.com/office/drawing/2010/main">
+                <a14:imgProps xmlns:a14="http://schemas.microsoft.com/office/drawing/2010/main" xmlns="">
                   <a14:imgLayer r:embed="rId8">
                     <a14:imgEffect>
                       <a14:brightnessContrast contrast="90000"/>
@@ -35732,7 +35859,7 @@
                 </a14:imgProps>
               </a:ext>
               <a:ext uri="{28A0092B-C50C-407E-A947-70E740481C1C}">
-                <a14:useLocalDpi xmlns:a14="http://schemas.microsoft.com/office/drawing/2010/main" val="0"/>
+                <a14:useLocalDpi xmlns:a14="http://schemas.microsoft.com/office/drawing/2010/main" xmlns="" val="0"/>
               </a:ext>
             </a:extLst>
           </a:blip>
@@ -35755,14 +35882,14 @@
           </a:ln>
           <a:extLst>
             <a:ext uri="{909E8E84-426E-40DD-AFC4-6F175D3DCCD1}">
-              <a14:hiddenFill xmlns:a14="http://schemas.microsoft.com/office/drawing/2010/main">
+              <a14:hiddenFill xmlns:a14="http://schemas.microsoft.com/office/drawing/2010/main" xmlns="">
                 <a:solidFill>
                   <a:schemeClr val="accent1"/>
                 </a:solidFill>
               </a14:hiddenFill>
             </a:ext>
             <a:ext uri="{91240B29-F687-4F45-9708-019B960494DF}">
-              <a14:hiddenLine xmlns:a14="http://schemas.microsoft.com/office/drawing/2010/main" w="9525">
+              <a14:hiddenLine xmlns:a14="http://schemas.microsoft.com/office/drawing/2010/main" xmlns="" w="9525">
                 <a:solidFill>
                   <a:schemeClr val="tx1"/>
                 </a:solidFill>
@@ -35777,7 +35904,7 @@
     </p:spTree>
     <p:extLst>
       <p:ext uri="{BB962C8B-B14F-4D97-AF65-F5344CB8AC3E}">
-        <p14:creationId xmlns:p14="http://schemas.microsoft.com/office/powerpoint/2010/main" val="492087271"/>
+        <p14:creationId xmlns:p14="http://schemas.microsoft.com/office/powerpoint/2010/main" xmlns="" val="492087271"/>
       </p:ext>
     </p:extLst>
   </p:cSld>
@@ -35929,7 +36056,7 @@
             <a:fld id="{F43B1607-691C-45B5-AF95-DB2C7AF77555}" type="datetime1">
               <a:rPr lang="en-US" sz="1000" b="1" smtClean="0"/>
               <a:pPr/>
-              <a:t>1/8/2018</a:t>
+              <a:t>3/28/2018</a:t>
             </a:fld>
             <a:endParaRPr lang="en-US" sz="1000" b="1" dirty="0"/>
           </a:p>
@@ -37662,7 +37789,7 @@
           <a:blip r:embed="rId2" cstate="print">
             <a:extLst>
               <a:ext uri="{BEBA8EAE-BF5A-486C-A8C5-ECC9F3942E4B}">
-                <a14:imgProps xmlns:a14="http://schemas.microsoft.com/office/drawing/2010/main">
+                <a14:imgProps xmlns:a14="http://schemas.microsoft.com/office/drawing/2010/main" xmlns="">
                   <a14:imgLayer r:embed="rId3">
                     <a14:imgEffect>
                       <a14:brightnessContrast contrast="90000"/>
@@ -37671,7 +37798,7 @@
                 </a14:imgProps>
               </a:ext>
               <a:ext uri="{28A0092B-C50C-407E-A947-70E740481C1C}">
-                <a14:useLocalDpi xmlns:a14="http://schemas.microsoft.com/office/drawing/2010/main" val="0"/>
+                <a14:useLocalDpi xmlns:a14="http://schemas.microsoft.com/office/drawing/2010/main" xmlns="" val="0"/>
               </a:ext>
             </a:extLst>
           </a:blip>
@@ -37694,14 +37821,14 @@
           </a:ln>
           <a:extLst>
             <a:ext uri="{909E8E84-426E-40DD-AFC4-6F175D3DCCD1}">
-              <a14:hiddenFill xmlns:a14="http://schemas.microsoft.com/office/drawing/2010/main">
+              <a14:hiddenFill xmlns:a14="http://schemas.microsoft.com/office/drawing/2010/main" xmlns="">
                 <a:solidFill>
                   <a:schemeClr val="accent1"/>
                 </a:solidFill>
               </a14:hiddenFill>
             </a:ext>
             <a:ext uri="{91240B29-F687-4F45-9708-019B960494DF}">
-              <a14:hiddenLine xmlns:a14="http://schemas.microsoft.com/office/drawing/2010/main" w="9525">
+              <a14:hiddenLine xmlns:a14="http://schemas.microsoft.com/office/drawing/2010/main" xmlns="" w="9525">
                 <a:solidFill>
                   <a:schemeClr val="tx1"/>
                 </a:solidFill>
@@ -37753,7 +37880,7 @@
             <p:ph idx="1"/>
             <p:extLst>
               <p:ext uri="{D42A27DB-BD31-4B8C-83A1-F6EECF244321}">
-                <p14:modId xmlns:p14="http://schemas.microsoft.com/office/powerpoint/2010/main" val="1751737651"/>
+                <p14:modId xmlns:p14="http://schemas.microsoft.com/office/powerpoint/2010/main" xmlns="" val="1751737651"/>
               </p:ext>
             </p:extLst>
           </p:nvPr>
@@ -37833,7 +37960,7 @@
           <p:nvPr>
             <p:extLst>
               <p:ext uri="{D42A27DB-BD31-4B8C-83A1-F6EECF244321}">
-                <p14:modId xmlns:p14="http://schemas.microsoft.com/office/powerpoint/2010/main" val="39034701"/>
+                <p14:modId xmlns:p14="http://schemas.microsoft.com/office/powerpoint/2010/main" xmlns="" val="39034701"/>
               </p:ext>
             </p:extLst>
           </p:nvPr>
@@ -37844,7 +37971,7 @@
         </p:xfrm>
         <a:graphic>
           <a:graphicData uri="http://schemas.openxmlformats.org/drawingml/2006/diagram">
-            <dgm:relIds xmlns:dgm="http://schemas.openxmlformats.org/drawingml/2006/diagram" xmlns:r="http://schemas.openxmlformats.org/officeDocument/2006/relationships" r:dm="rId9" r:lo="rId10" r:qs="rId11" r:cs="rId12"/>
+            <dgm:relIds xmlns:dgm="http://schemas.openxmlformats.org/drawingml/2006/diagram" xmlns:r="http://schemas.openxmlformats.org/officeDocument/2006/relationships" r:dm="rId8" r:lo="rId9" r:qs="rId10" r:cs="rId11"/>
           </a:graphicData>
         </a:graphic>
       </p:graphicFrame>
@@ -38105,7 +38232,7 @@
     </p:spTree>
     <p:extLst>
       <p:ext uri="{BB962C8B-B14F-4D97-AF65-F5344CB8AC3E}">
-        <p14:creationId xmlns:p14="http://schemas.microsoft.com/office/powerpoint/2010/main" val="3267934251"/>
+        <p14:creationId xmlns:p14="http://schemas.microsoft.com/office/powerpoint/2010/main" xmlns="" val="3267934251"/>
       </p:ext>
     </p:extLst>
   </p:cSld>
@@ -38276,7 +38403,7 @@
             <a:fld id="{F43B1607-691C-45B5-AF95-DB2C7AF77555}" type="datetime1">
               <a:rPr lang="en-US" sz="1000" b="1" smtClean="0"/>
               <a:pPr/>
-              <a:t>1/8/2018</a:t>
+              <a:t>3/28/2018</a:t>
             </a:fld>
             <a:endParaRPr lang="en-US" sz="1000" b="1" dirty="0"/>
           </a:p>
@@ -38361,7 +38488,7 @@
           <a:blip r:embed="rId7" cstate="print">
             <a:extLst>
               <a:ext uri="{BEBA8EAE-BF5A-486C-A8C5-ECC9F3942E4B}">
-                <a14:imgProps xmlns:a14="http://schemas.microsoft.com/office/drawing/2010/main">
+                <a14:imgProps xmlns:a14="http://schemas.microsoft.com/office/drawing/2010/main" xmlns="">
                   <a14:imgLayer r:embed="rId8">
                     <a14:imgEffect>
                       <a14:brightnessContrast bright="-11000"/>
@@ -38370,7 +38497,7 @@
                 </a14:imgProps>
               </a:ext>
               <a:ext uri="{28A0092B-C50C-407E-A947-70E740481C1C}">
-                <a14:useLocalDpi xmlns:a14="http://schemas.microsoft.com/office/drawing/2010/main" val="0"/>
+                <a14:useLocalDpi xmlns:a14="http://schemas.microsoft.com/office/drawing/2010/main" xmlns="" val="0"/>
               </a:ext>
             </a:extLst>
           </a:blip>
@@ -38395,7 +38522,7 @@
           </a:ln>
           <a:extLst>
             <a:ext uri="{909E8E84-426E-40DD-AFC4-6F175D3DCCD1}">
-              <a14:hiddenFill xmlns:a14="http://schemas.microsoft.com/office/drawing/2010/main">
+              <a14:hiddenFill xmlns:a14="http://schemas.microsoft.com/office/drawing/2010/main" xmlns="">
                 <a:solidFill>
                   <a:srgbClr val="FFFFFF"/>
                 </a:solidFill>
@@ -42753,7 +42880,7 @@
           <a:blip r:embed="rId12" cstate="print">
             <a:extLst>
               <a:ext uri="{BEBA8EAE-BF5A-486C-A8C5-ECC9F3942E4B}">
-                <a14:imgProps xmlns:a14="http://schemas.microsoft.com/office/drawing/2010/main">
+                <a14:imgProps xmlns:a14="http://schemas.microsoft.com/office/drawing/2010/main" xmlns="">
                   <a14:imgLayer r:embed="rId13">
                     <a14:imgEffect>
                       <a14:brightnessContrast bright="-15000"/>
@@ -42762,7 +42889,7 @@
                 </a14:imgProps>
               </a:ext>
               <a:ext uri="{28A0092B-C50C-407E-A947-70E740481C1C}">
-                <a14:useLocalDpi xmlns:a14="http://schemas.microsoft.com/office/drawing/2010/main" val="0"/>
+                <a14:useLocalDpi xmlns:a14="http://schemas.microsoft.com/office/drawing/2010/main" xmlns="" val="0"/>
               </a:ext>
             </a:extLst>
           </a:blip>
@@ -42782,7 +42909,7 @@
           <a:noFill/>
           <a:extLst>
             <a:ext uri="{909E8E84-426E-40DD-AFC4-6F175D3DCCD1}">
-              <a14:hiddenFill xmlns:a14="http://schemas.microsoft.com/office/drawing/2010/main">
+              <a14:hiddenFill xmlns:a14="http://schemas.microsoft.com/office/drawing/2010/main" xmlns="">
                 <a:solidFill>
                   <a:srgbClr val="FFFFFF"/>
                 </a:solidFill>
@@ -42832,7 +42959,7 @@
           <p:nvPr>
             <p:extLst>
               <p:ext uri="{D42A27DB-BD31-4B8C-83A1-F6EECF244321}">
-                <p14:modId xmlns:p14="http://schemas.microsoft.com/office/powerpoint/2010/main" val="1079482485"/>
+                <p14:modId xmlns:p14="http://schemas.microsoft.com/office/powerpoint/2010/main" xmlns="" val="1079482485"/>
               </p:ext>
             </p:extLst>
           </p:nvPr>
@@ -43517,7 +43644,7 @@
     </p:spTree>
     <p:extLst>
       <p:ext uri="{BB962C8B-B14F-4D97-AF65-F5344CB8AC3E}">
-        <p14:creationId xmlns:p14="http://schemas.microsoft.com/office/powerpoint/2010/main" val="4252541444"/>
+        <p14:creationId xmlns:p14="http://schemas.microsoft.com/office/powerpoint/2010/main" xmlns="" val="4252541444"/>
       </p:ext>
     </p:extLst>
   </p:cSld>
@@ -43711,7 +43838,7 @@
             <a:fld id="{F43B1607-691C-45B5-AF95-DB2C7AF77555}" type="datetime1">
               <a:rPr lang="en-US" sz="1000" b="1" smtClean="0"/>
               <a:pPr/>
-              <a:t>1/8/2018</a:t>
+              <a:t>3/28/2018</a:t>
             </a:fld>
             <a:endParaRPr lang="en-US" sz="1000" b="1" dirty="0"/>
           </a:p>
@@ -43785,7 +43912,7 @@
           <a:blip r:embed="rId7" cstate="print">
             <a:extLst>
               <a:ext uri="{28A0092B-C50C-407E-A947-70E740481C1C}">
-                <a14:useLocalDpi xmlns:a14="http://schemas.microsoft.com/office/drawing/2010/main" val="0"/>
+                <a14:useLocalDpi xmlns:a14="http://schemas.microsoft.com/office/drawing/2010/main" xmlns="" val="0"/>
               </a:ext>
             </a:extLst>
           </a:blip>
@@ -43805,7 +43932,7 @@
           <a:noFill/>
           <a:extLst>
             <a:ext uri="{909E8E84-426E-40DD-AFC4-6F175D3DCCD1}">
-              <a14:hiddenFill xmlns:a14="http://schemas.microsoft.com/office/drawing/2010/main">
+              <a14:hiddenFill xmlns:a14="http://schemas.microsoft.com/office/drawing/2010/main" xmlns="">
                 <a:solidFill>
                   <a:srgbClr val="FFFFFF"/>
                 </a:solidFill>
@@ -48334,7 +48461,7 @@
           <a:blip r:embed="rId11" cstate="print">
             <a:extLst>
               <a:ext uri="{28A0092B-C50C-407E-A947-70E740481C1C}">
-                <a14:useLocalDpi xmlns:a14="http://schemas.microsoft.com/office/drawing/2010/main" val="0"/>
+                <a14:useLocalDpi xmlns:a14="http://schemas.microsoft.com/office/drawing/2010/main" xmlns="" val="0"/>
               </a:ext>
             </a:extLst>
           </a:blip>
@@ -48354,7 +48481,7 @@
           <a:noFill/>
           <a:extLst>
             <a:ext uri="{909E8E84-426E-40DD-AFC4-6F175D3DCCD1}">
-              <a14:hiddenFill xmlns:a14="http://schemas.microsoft.com/office/drawing/2010/main">
+              <a14:hiddenFill xmlns:a14="http://schemas.microsoft.com/office/drawing/2010/main" xmlns="">
                 <a:solidFill>
                   <a:srgbClr val="FFFFFF"/>
                 </a:solidFill>
@@ -48402,7 +48529,7 @@
           <p:nvPr>
             <p:extLst>
               <p:ext uri="{D42A27DB-BD31-4B8C-83A1-F6EECF244321}">
-                <p14:modId xmlns:p14="http://schemas.microsoft.com/office/powerpoint/2010/main" val="727750514"/>
+                <p14:modId xmlns:p14="http://schemas.microsoft.com/office/powerpoint/2010/main" xmlns="" val="727750514"/>
               </p:ext>
             </p:extLst>
           </p:nvPr>
@@ -48569,7 +48696,7 @@
     </p:spTree>
     <p:extLst>
       <p:ext uri="{BB962C8B-B14F-4D97-AF65-F5344CB8AC3E}">
-        <p14:creationId xmlns:p14="http://schemas.microsoft.com/office/powerpoint/2010/main" val="2194539636"/>
+        <p14:creationId xmlns:p14="http://schemas.microsoft.com/office/powerpoint/2010/main" xmlns="" val="2194539636"/>
       </p:ext>
     </p:extLst>
   </p:cSld>
@@ -48798,7 +48925,7 @@
             <a:fld id="{F43B1607-691C-45B5-AF95-DB2C7AF77555}" type="datetime1">
               <a:rPr lang="en-US" sz="1000" b="1" smtClean="0"/>
               <a:pPr/>
-              <a:t>1/8/2018</a:t>
+              <a:t>3/28/2018</a:t>
             </a:fld>
             <a:endParaRPr lang="en-US" sz="1000" b="1" dirty="0"/>
           </a:p>
@@ -51969,7 +52096,7 @@
           <a:blip r:embed="rId4">
             <a:extLst>
               <a:ext uri="{28A0092B-C50C-407E-A947-70E740481C1C}">
-                <a14:useLocalDpi xmlns:a14="http://schemas.microsoft.com/office/drawing/2010/main" val="0"/>
+                <a14:useLocalDpi xmlns:a14="http://schemas.microsoft.com/office/drawing/2010/main" xmlns="" val="0"/>
               </a:ext>
             </a:extLst>
           </a:blip>
@@ -51997,7 +52124,7 @@
           </a:ln>
           <a:extLst>
             <a:ext uri="{909E8E84-426E-40DD-AFC4-6F175D3DCCD1}">
-              <a14:hiddenFill xmlns:a14="http://schemas.microsoft.com/office/drawing/2010/main">
+              <a14:hiddenFill xmlns:a14="http://schemas.microsoft.com/office/drawing/2010/main" xmlns="">
                 <a:solidFill>
                   <a:schemeClr val="accent1"/>
                 </a:solidFill>
@@ -52108,7 +52235,7 @@
             <a:fld id="{F43B1607-691C-45B5-AF95-DB2C7AF77555}" type="datetime1">
               <a:rPr lang="en-US" sz="1000" b="1" smtClean="0"/>
               <a:pPr/>
-              <a:t>1/8/2018</a:t>
+              <a:t>3/28/2018</a:t>
             </a:fld>
             <a:endParaRPr lang="en-US" sz="1000" b="1" dirty="0"/>
           </a:p>
@@ -52223,7 +52350,7 @@
           <a:blip r:embed="rId2">
             <a:extLst>
               <a:ext uri="{28A0092B-C50C-407E-A947-70E740481C1C}">
-                <a14:useLocalDpi xmlns:a14="http://schemas.microsoft.com/office/drawing/2010/main" val="0"/>
+                <a14:useLocalDpi xmlns:a14="http://schemas.microsoft.com/office/drawing/2010/main" xmlns="" val="0"/>
               </a:ext>
             </a:extLst>
           </a:blip>
@@ -52246,14 +52373,14 @@
           </a:ln>
           <a:extLst>
             <a:ext uri="{909E8E84-426E-40DD-AFC4-6F175D3DCCD1}">
-              <a14:hiddenFill xmlns:a14="http://schemas.microsoft.com/office/drawing/2010/main">
+              <a14:hiddenFill xmlns:a14="http://schemas.microsoft.com/office/drawing/2010/main" xmlns="">
                 <a:solidFill>
                   <a:srgbClr val="FFFFFF"/>
                 </a:solidFill>
               </a14:hiddenFill>
             </a:ext>
             <a:ext uri="{91240B29-F687-4F45-9708-019B960494DF}">
-              <a14:hiddenLine xmlns:a14="http://schemas.microsoft.com/office/drawing/2010/main" w="9525">
+              <a14:hiddenLine xmlns:a14="http://schemas.microsoft.com/office/drawing/2010/main" xmlns="" w="9525">
                 <a:solidFill>
                   <a:srgbClr val="000000"/>
                 </a:solidFill>
@@ -52277,7 +52404,7 @@
           <a:blip r:embed="rId3" cstate="print">
             <a:extLst>
               <a:ext uri="{28A0092B-C50C-407E-A947-70E740481C1C}">
-                <a14:useLocalDpi xmlns:a14="http://schemas.microsoft.com/office/drawing/2010/main" val="0"/>
+                <a14:useLocalDpi xmlns:a14="http://schemas.microsoft.com/office/drawing/2010/main" xmlns="" val="0"/>
               </a:ext>
             </a:extLst>
           </a:blip>
@@ -52300,14 +52427,14 @@
           </a:ln>
           <a:extLst>
             <a:ext uri="{909E8E84-426E-40DD-AFC4-6F175D3DCCD1}">
-              <a14:hiddenFill xmlns:a14="http://schemas.microsoft.com/office/drawing/2010/main">
+              <a14:hiddenFill xmlns:a14="http://schemas.microsoft.com/office/drawing/2010/main" xmlns="">
                 <a:solidFill>
                   <a:srgbClr val="FFFFFF"/>
                 </a:solidFill>
               </a14:hiddenFill>
             </a:ext>
             <a:ext uri="{91240B29-F687-4F45-9708-019B960494DF}">
-              <a14:hiddenLine xmlns:a14="http://schemas.microsoft.com/office/drawing/2010/main" w="9525">
+              <a14:hiddenLine xmlns:a14="http://schemas.microsoft.com/office/drawing/2010/main" xmlns="" w="9525">
                 <a:solidFill>
                   <a:srgbClr val="000000"/>
                 </a:solidFill>
@@ -52372,7 +52499,7 @@
           <a:blip r:embed="rId4">
             <a:extLst>
               <a:ext uri="{28A0092B-C50C-407E-A947-70E740481C1C}">
-                <a14:useLocalDpi xmlns:a14="http://schemas.microsoft.com/office/drawing/2010/main" val="0"/>
+                <a14:useLocalDpi xmlns:a14="http://schemas.microsoft.com/office/drawing/2010/main" xmlns="" val="0"/>
               </a:ext>
             </a:extLst>
           </a:blip>
@@ -52395,14 +52522,14 @@
           </a:ln>
           <a:extLst>
             <a:ext uri="{909E8E84-426E-40DD-AFC4-6F175D3DCCD1}">
-              <a14:hiddenFill xmlns:a14="http://schemas.microsoft.com/office/drawing/2010/main">
+              <a14:hiddenFill xmlns:a14="http://schemas.microsoft.com/office/drawing/2010/main" xmlns="">
                 <a:solidFill>
                   <a:schemeClr val="accent1"/>
                 </a:solidFill>
               </a14:hiddenFill>
             </a:ext>
             <a:ext uri="{91240B29-F687-4F45-9708-019B960494DF}">
-              <a14:hiddenLine xmlns:a14="http://schemas.microsoft.com/office/drawing/2010/main" w="9525">
+              <a14:hiddenLine xmlns:a14="http://schemas.microsoft.com/office/drawing/2010/main" xmlns="" w="9525">
                 <a:solidFill>
                   <a:schemeClr val="tx1"/>
                 </a:solidFill>
@@ -52471,7 +52598,7 @@
           <a:blip r:embed="rId5">
             <a:extLst>
               <a:ext uri="{28A0092B-C50C-407E-A947-70E740481C1C}">
-                <a14:useLocalDpi xmlns:a14="http://schemas.microsoft.com/office/drawing/2010/main" val="0"/>
+                <a14:useLocalDpi xmlns:a14="http://schemas.microsoft.com/office/drawing/2010/main" xmlns="" val="0"/>
               </a:ext>
             </a:extLst>
           </a:blip>
@@ -52494,14 +52621,14 @@
           </a:ln>
           <a:extLst>
             <a:ext uri="{909E8E84-426E-40DD-AFC4-6F175D3DCCD1}">
-              <a14:hiddenFill xmlns:a14="http://schemas.microsoft.com/office/drawing/2010/main">
+              <a14:hiddenFill xmlns:a14="http://schemas.microsoft.com/office/drawing/2010/main" xmlns="">
                 <a:solidFill>
                   <a:schemeClr val="accent1"/>
                 </a:solidFill>
               </a14:hiddenFill>
             </a:ext>
             <a:ext uri="{91240B29-F687-4F45-9708-019B960494DF}">
-              <a14:hiddenLine xmlns:a14="http://schemas.microsoft.com/office/drawing/2010/main" w="9525">
+              <a14:hiddenLine xmlns:a14="http://schemas.microsoft.com/office/drawing/2010/main" xmlns="" w="9525">
                 <a:solidFill>
                   <a:schemeClr val="tx1"/>
                 </a:solidFill>
@@ -52525,7 +52652,7 @@
           <a:blip r:embed="rId6">
             <a:extLst>
               <a:ext uri="{28A0092B-C50C-407E-A947-70E740481C1C}">
-                <a14:useLocalDpi xmlns:a14="http://schemas.microsoft.com/office/drawing/2010/main" val="0"/>
+                <a14:useLocalDpi xmlns:a14="http://schemas.microsoft.com/office/drawing/2010/main" xmlns="" val="0"/>
               </a:ext>
             </a:extLst>
           </a:blip>
@@ -52548,14 +52675,14 @@
           </a:ln>
           <a:extLst>
             <a:ext uri="{909E8E84-426E-40DD-AFC4-6F175D3DCCD1}">
-              <a14:hiddenFill xmlns:a14="http://schemas.microsoft.com/office/drawing/2010/main">
+              <a14:hiddenFill xmlns:a14="http://schemas.microsoft.com/office/drawing/2010/main" xmlns="">
                 <a:solidFill>
                   <a:schemeClr val="accent1"/>
                 </a:solidFill>
               </a14:hiddenFill>
             </a:ext>
             <a:ext uri="{91240B29-F687-4F45-9708-019B960494DF}">
-              <a14:hiddenLine xmlns:a14="http://schemas.microsoft.com/office/drawing/2010/main" w="9525">
+              <a14:hiddenLine xmlns:a14="http://schemas.microsoft.com/office/drawing/2010/main" xmlns="" w="9525">
                 <a:solidFill>
                   <a:schemeClr val="tx1"/>
                 </a:solidFill>
@@ -52639,7 +52766,7 @@
           <a:blip r:embed="rId7" cstate="print">
             <a:extLst>
               <a:ext uri="{28A0092B-C50C-407E-A947-70E740481C1C}">
-                <a14:useLocalDpi xmlns:a14="http://schemas.microsoft.com/office/drawing/2010/main" val="0"/>
+                <a14:useLocalDpi xmlns:a14="http://schemas.microsoft.com/office/drawing/2010/main" xmlns="" val="0"/>
               </a:ext>
             </a:extLst>
           </a:blip>
@@ -52662,14 +52789,14 @@
           </a:ln>
           <a:extLst>
             <a:ext uri="{909E8E84-426E-40DD-AFC4-6F175D3DCCD1}">
-              <a14:hiddenFill xmlns:a14="http://schemas.microsoft.com/office/drawing/2010/main">
+              <a14:hiddenFill xmlns:a14="http://schemas.microsoft.com/office/drawing/2010/main" xmlns="">
                 <a:solidFill>
                   <a:srgbClr val="FFFFFF"/>
                 </a:solidFill>
               </a14:hiddenFill>
             </a:ext>
             <a:ext uri="{91240B29-F687-4F45-9708-019B960494DF}">
-              <a14:hiddenLine xmlns:a14="http://schemas.microsoft.com/office/drawing/2010/main" w="9525">
+              <a14:hiddenLine xmlns:a14="http://schemas.microsoft.com/office/drawing/2010/main" xmlns="" w="9525">
                 <a:solidFill>
                   <a:srgbClr val="000000"/>
                 </a:solidFill>
@@ -52842,7 +52969,7 @@
             <a:fld id="{F43B1607-691C-45B5-AF95-DB2C7AF77555}" type="datetime1">
               <a:rPr lang="en-US" sz="1000" b="1" smtClean="0"/>
               <a:pPr/>
-              <a:t>1/8/2018</a:t>
+              <a:t>3/28/2018</a:t>
             </a:fld>
             <a:endParaRPr lang="en-US" sz="1000" b="1" dirty="0"/>
           </a:p>
@@ -52968,7 +53095,7 @@
             <a:fld id="{F43B1607-691C-45B5-AF95-DB2C7AF77555}" type="datetime1">
               <a:rPr lang="en-US" sz="1000" b="1" smtClean="0"/>
               <a:pPr/>
-              <a:t>1/8/2018</a:t>
+              <a:t>3/28/2018</a:t>
             </a:fld>
             <a:endParaRPr lang="en-US" sz="1000" b="1" dirty="0"/>
           </a:p>
@@ -53153,7 +53280,7 @@
           <a:blip r:embed="rId8" cstate="print">
             <a:extLst>
               <a:ext uri="{28A0092B-C50C-407E-A947-70E740481C1C}">
-                <a14:useLocalDpi xmlns:a14="http://schemas.microsoft.com/office/drawing/2010/main" val="0"/>
+                <a14:useLocalDpi xmlns:a14="http://schemas.microsoft.com/office/drawing/2010/main" xmlns="" val="0"/>
               </a:ext>
             </a:extLst>
           </a:blip>
@@ -53176,14 +53303,14 @@
           </a:ln>
           <a:extLst>
             <a:ext uri="{909E8E84-426E-40DD-AFC4-6F175D3DCCD1}">
-              <a14:hiddenFill xmlns:a14="http://schemas.microsoft.com/office/drawing/2010/main">
+              <a14:hiddenFill xmlns:a14="http://schemas.microsoft.com/office/drawing/2010/main" xmlns="">
                 <a:solidFill>
                   <a:srgbClr val="FFFFFF"/>
                 </a:solidFill>
               </a14:hiddenFill>
             </a:ext>
             <a:ext uri="{91240B29-F687-4F45-9708-019B960494DF}">
-              <a14:hiddenLine xmlns:a14="http://schemas.microsoft.com/office/drawing/2010/main" w="9525">
+              <a14:hiddenLine xmlns:a14="http://schemas.microsoft.com/office/drawing/2010/main" xmlns="" w="9525">
                 <a:solidFill>
                   <a:srgbClr val="000000"/>
                 </a:solidFill>
@@ -53207,7 +53334,7 @@
           <a:blip r:embed="rId9" cstate="print">
             <a:extLst>
               <a:ext uri="{28A0092B-C50C-407E-A947-70E740481C1C}">
-                <a14:useLocalDpi xmlns:a14="http://schemas.microsoft.com/office/drawing/2010/main" val="0"/>
+                <a14:useLocalDpi xmlns:a14="http://schemas.microsoft.com/office/drawing/2010/main" xmlns="" val="0"/>
               </a:ext>
             </a:extLst>
           </a:blip>
@@ -53230,14 +53357,14 @@
           </a:ln>
           <a:extLst>
             <a:ext uri="{909E8E84-426E-40DD-AFC4-6F175D3DCCD1}">
-              <a14:hiddenFill xmlns:a14="http://schemas.microsoft.com/office/drawing/2010/main">
+              <a14:hiddenFill xmlns:a14="http://schemas.microsoft.com/office/drawing/2010/main" xmlns="">
                 <a:solidFill>
                   <a:srgbClr val="FFFFFF"/>
                 </a:solidFill>
               </a14:hiddenFill>
             </a:ext>
             <a:ext uri="{91240B29-F687-4F45-9708-019B960494DF}">
-              <a14:hiddenLine xmlns:a14="http://schemas.microsoft.com/office/drawing/2010/main" w="9525">
+              <a14:hiddenLine xmlns:a14="http://schemas.microsoft.com/office/drawing/2010/main" xmlns="" w="9525">
                 <a:solidFill>
                   <a:srgbClr val="000000"/>
                 </a:solidFill>
